--- a/Documentation/Layouts/LabLayoutNumbers.pptx
+++ b/Documentation/Layouts/LabLayoutNumbers.pptx
@@ -290,7 +290,7 @@
             <a:fld id="{F5BF3120-0EED-4B2E-B277-FBCB29970201}" type="datetimeFigureOut">
               <a:rPr lang="en-US" smtClean="0"/>
               <a:pPr/>
-              <a:t>6/15/2012</a:t>
+              <a:t>7/4/2012</a:t>
             </a:fld>
             <a:endParaRPr lang="en-US"/>
           </a:p>
@@ -457,7 +457,7 @@
             <a:fld id="{F5BF3120-0EED-4B2E-B277-FBCB29970201}" type="datetimeFigureOut">
               <a:rPr lang="en-US" smtClean="0"/>
               <a:pPr/>
-              <a:t>6/15/2012</a:t>
+              <a:t>7/4/2012</a:t>
             </a:fld>
             <a:endParaRPr lang="en-US"/>
           </a:p>
@@ -634,7 +634,7 @@
             <a:fld id="{F5BF3120-0EED-4B2E-B277-FBCB29970201}" type="datetimeFigureOut">
               <a:rPr lang="en-US" smtClean="0"/>
               <a:pPr/>
-              <a:t>6/15/2012</a:t>
+              <a:t>7/4/2012</a:t>
             </a:fld>
             <a:endParaRPr lang="en-US"/>
           </a:p>
@@ -801,7 +801,7 @@
             <a:fld id="{F5BF3120-0EED-4B2E-B277-FBCB29970201}" type="datetimeFigureOut">
               <a:rPr lang="en-US" smtClean="0"/>
               <a:pPr/>
-              <a:t>6/15/2012</a:t>
+              <a:t>7/4/2012</a:t>
             </a:fld>
             <a:endParaRPr lang="en-US"/>
           </a:p>
@@ -1044,7 +1044,7 @@
             <a:fld id="{F5BF3120-0EED-4B2E-B277-FBCB29970201}" type="datetimeFigureOut">
               <a:rPr lang="en-US" smtClean="0"/>
               <a:pPr/>
-              <a:t>6/15/2012</a:t>
+              <a:t>7/4/2012</a:t>
             </a:fld>
             <a:endParaRPr lang="en-US"/>
           </a:p>
@@ -1329,7 +1329,7 @@
             <a:fld id="{F5BF3120-0EED-4B2E-B277-FBCB29970201}" type="datetimeFigureOut">
               <a:rPr lang="en-US" smtClean="0"/>
               <a:pPr/>
-              <a:t>6/15/2012</a:t>
+              <a:t>7/4/2012</a:t>
             </a:fld>
             <a:endParaRPr lang="en-US"/>
           </a:p>
@@ -1748,7 +1748,7 @@
             <a:fld id="{F5BF3120-0EED-4B2E-B277-FBCB29970201}" type="datetimeFigureOut">
               <a:rPr lang="en-US" smtClean="0"/>
               <a:pPr/>
-              <a:t>6/15/2012</a:t>
+              <a:t>7/4/2012</a:t>
             </a:fld>
             <a:endParaRPr lang="en-US"/>
           </a:p>
@@ -1863,7 +1863,7 @@
             <a:fld id="{F5BF3120-0EED-4B2E-B277-FBCB29970201}" type="datetimeFigureOut">
               <a:rPr lang="en-US" smtClean="0"/>
               <a:pPr/>
-              <a:t>6/15/2012</a:t>
+              <a:t>7/4/2012</a:t>
             </a:fld>
             <a:endParaRPr lang="en-US"/>
           </a:p>
@@ -1955,7 +1955,7 @@
             <a:fld id="{F5BF3120-0EED-4B2E-B277-FBCB29970201}" type="datetimeFigureOut">
               <a:rPr lang="en-US" smtClean="0"/>
               <a:pPr/>
-              <a:t>6/15/2012</a:t>
+              <a:t>7/4/2012</a:t>
             </a:fld>
             <a:endParaRPr lang="en-US"/>
           </a:p>
@@ -2229,7 +2229,7 @@
             <a:fld id="{F5BF3120-0EED-4B2E-B277-FBCB29970201}" type="datetimeFigureOut">
               <a:rPr lang="en-US" smtClean="0"/>
               <a:pPr/>
-              <a:t>6/15/2012</a:t>
+              <a:t>7/4/2012</a:t>
             </a:fld>
             <a:endParaRPr lang="en-US"/>
           </a:p>
@@ -2479,7 +2479,7 @@
             <a:fld id="{F5BF3120-0EED-4B2E-B277-FBCB29970201}" type="datetimeFigureOut">
               <a:rPr lang="en-US" smtClean="0"/>
               <a:pPr/>
-              <a:t>6/15/2012</a:t>
+              <a:t>7/4/2012</a:t>
             </a:fld>
             <a:endParaRPr lang="en-US"/>
           </a:p>
@@ -2689,7 +2689,7 @@
             <a:fld id="{F5BF3120-0EED-4B2E-B277-FBCB29970201}" type="datetimeFigureOut">
               <a:rPr lang="en-US" smtClean="0"/>
               <a:pPr/>
-              <a:t>6/15/2012</a:t>
+              <a:t>7/4/2012</a:t>
             </a:fld>
             <a:endParaRPr lang="en-US"/>
           </a:p>
@@ -19758,6 +19758,49 @@
                 </a:schemeClr>
               </a:solidFill>
             </a:endParaRPr>
+          </a:p>
+        </p:txBody>
+      </p:sp>
+      <p:sp>
+        <p:nvSpPr>
+          <p:cNvPr id="346" name="TextBox 345"/>
+          <p:cNvSpPr txBox="1"/>
+          <p:nvPr/>
+        </p:nvSpPr>
+        <p:spPr>
+          <a:xfrm>
+            <a:off x="2920754" y="6232124"/>
+            <a:ext cx="3333733" cy="369332"/>
+          </a:xfrm>
+          <a:prstGeom prst="rect">
+            <a:avLst/>
+          </a:prstGeom>
+        </p:spPr>
+        <p:style>
+          <a:lnRef idx="1">
+            <a:schemeClr val="accent6"/>
+          </a:lnRef>
+          <a:fillRef idx="2">
+            <a:schemeClr val="accent6"/>
+          </a:fillRef>
+          <a:effectRef idx="1">
+            <a:schemeClr val="accent6"/>
+          </a:effectRef>
+          <a:fontRef idx="minor">
+            <a:schemeClr val="dk1"/>
+          </a:fontRef>
+        </p:style>
+        <p:txBody>
+          <a:bodyPr wrap="none" rtlCol="0">
+            <a:spAutoFit/>
+          </a:bodyPr>
+          <a:lstStyle/>
+          <a:p>
+            <a:r>
+              <a:rPr lang="en-US" smtClean="0"/>
+              <a:t>Ignore sensor numbers in orange.</a:t>
+            </a:r>
+            <a:endParaRPr lang="en-US"/>
           </a:p>
         </p:txBody>
       </p:sp>

--- a/Documentation/Layouts/LabLayoutNumbers.pptx
+++ b/Documentation/Layouts/LabLayoutNumbers.pptx
@@ -291,7 +291,7 @@
             <a:fld id="{F5BF3120-0EED-4B2E-B277-FBCB29970201}" type="datetimeFigureOut">
               <a:rPr lang="en-US" smtClean="0"/>
               <a:pPr/>
-              <a:t>8/19/2012</a:t>
+              <a:t>8/21/2012</a:t>
             </a:fld>
             <a:endParaRPr lang="en-US"/>
           </a:p>
@@ -458,7 +458,7 @@
             <a:fld id="{F5BF3120-0EED-4B2E-B277-FBCB29970201}" type="datetimeFigureOut">
               <a:rPr lang="en-US" smtClean="0"/>
               <a:pPr/>
-              <a:t>8/19/2012</a:t>
+              <a:t>8/21/2012</a:t>
             </a:fld>
             <a:endParaRPr lang="en-US"/>
           </a:p>
@@ -635,7 +635,7 @@
             <a:fld id="{F5BF3120-0EED-4B2E-B277-FBCB29970201}" type="datetimeFigureOut">
               <a:rPr lang="en-US" smtClean="0"/>
               <a:pPr/>
-              <a:t>8/19/2012</a:t>
+              <a:t>8/21/2012</a:t>
             </a:fld>
             <a:endParaRPr lang="en-US"/>
           </a:p>
@@ -802,7 +802,7 @@
             <a:fld id="{F5BF3120-0EED-4B2E-B277-FBCB29970201}" type="datetimeFigureOut">
               <a:rPr lang="en-US" smtClean="0"/>
               <a:pPr/>
-              <a:t>8/19/2012</a:t>
+              <a:t>8/21/2012</a:t>
             </a:fld>
             <a:endParaRPr lang="en-US"/>
           </a:p>
@@ -1045,7 +1045,7 @@
             <a:fld id="{F5BF3120-0EED-4B2E-B277-FBCB29970201}" type="datetimeFigureOut">
               <a:rPr lang="en-US" smtClean="0"/>
               <a:pPr/>
-              <a:t>8/19/2012</a:t>
+              <a:t>8/21/2012</a:t>
             </a:fld>
             <a:endParaRPr lang="en-US"/>
           </a:p>
@@ -1330,7 +1330,7 @@
             <a:fld id="{F5BF3120-0EED-4B2E-B277-FBCB29970201}" type="datetimeFigureOut">
               <a:rPr lang="en-US" smtClean="0"/>
               <a:pPr/>
-              <a:t>8/19/2012</a:t>
+              <a:t>8/21/2012</a:t>
             </a:fld>
             <a:endParaRPr lang="en-US"/>
           </a:p>
@@ -1749,7 +1749,7 @@
             <a:fld id="{F5BF3120-0EED-4B2E-B277-FBCB29970201}" type="datetimeFigureOut">
               <a:rPr lang="en-US" smtClean="0"/>
               <a:pPr/>
-              <a:t>8/19/2012</a:t>
+              <a:t>8/21/2012</a:t>
             </a:fld>
             <a:endParaRPr lang="en-US"/>
           </a:p>
@@ -1864,7 +1864,7 @@
             <a:fld id="{F5BF3120-0EED-4B2E-B277-FBCB29970201}" type="datetimeFigureOut">
               <a:rPr lang="en-US" smtClean="0"/>
               <a:pPr/>
-              <a:t>8/19/2012</a:t>
+              <a:t>8/21/2012</a:t>
             </a:fld>
             <a:endParaRPr lang="en-US"/>
           </a:p>
@@ -1956,7 +1956,7 @@
             <a:fld id="{F5BF3120-0EED-4B2E-B277-FBCB29970201}" type="datetimeFigureOut">
               <a:rPr lang="en-US" smtClean="0"/>
               <a:pPr/>
-              <a:t>8/19/2012</a:t>
+              <a:t>8/21/2012</a:t>
             </a:fld>
             <a:endParaRPr lang="en-US"/>
           </a:p>
@@ -2230,7 +2230,7 @@
             <a:fld id="{F5BF3120-0EED-4B2E-B277-FBCB29970201}" type="datetimeFigureOut">
               <a:rPr lang="en-US" smtClean="0"/>
               <a:pPr/>
-              <a:t>8/19/2012</a:t>
+              <a:t>8/21/2012</a:t>
             </a:fld>
             <a:endParaRPr lang="en-US"/>
           </a:p>
@@ -2480,7 +2480,7 @@
             <a:fld id="{F5BF3120-0EED-4B2E-B277-FBCB29970201}" type="datetimeFigureOut">
               <a:rPr lang="en-US" smtClean="0"/>
               <a:pPr/>
-              <a:t>8/19/2012</a:t>
+              <a:t>8/21/2012</a:t>
             </a:fld>
             <a:endParaRPr lang="en-US"/>
           </a:p>
@@ -2690,7 +2690,7 @@
             <a:fld id="{F5BF3120-0EED-4B2E-B277-FBCB29970201}" type="datetimeFigureOut">
               <a:rPr lang="en-US" smtClean="0"/>
               <a:pPr/>
-              <a:t>8/19/2012</a:t>
+              <a:t>8/21/2012</a:t>
             </a:fld>
             <a:endParaRPr lang="en-US"/>
           </a:p>
@@ -3132,17 +3132,17 @@
           </a:prstGeom>
         </p:spPr>
         <p:style>
-          <a:lnRef idx="0">
-            <a:schemeClr val="accent3"/>
-          </a:lnRef>
-          <a:fillRef idx="3">
-            <a:schemeClr val="accent3"/>
-          </a:fillRef>
-          <a:effectRef idx="3">
-            <a:schemeClr val="accent3"/>
-          </a:effectRef>
-          <a:fontRef idx="minor">
-            <a:schemeClr val="lt1"/>
+          <a:lnRef idx="1">
+            <a:schemeClr val="accent2"/>
+          </a:lnRef>
+          <a:fillRef idx="2">
+            <a:schemeClr val="accent2"/>
+          </a:fillRef>
+          <a:effectRef idx="1">
+            <a:schemeClr val="accent2"/>
+          </a:effectRef>
+          <a:fontRef idx="minor">
+            <a:schemeClr val="dk1"/>
           </a:fontRef>
         </p:style>
         <p:txBody>
@@ -13644,17 +13644,17 @@
           </a:prstGeom>
         </p:spPr>
         <p:style>
-          <a:lnRef idx="0">
-            <a:schemeClr val="accent3"/>
-          </a:lnRef>
-          <a:fillRef idx="3">
-            <a:schemeClr val="accent3"/>
-          </a:fillRef>
-          <a:effectRef idx="3">
-            <a:schemeClr val="accent3"/>
-          </a:effectRef>
-          <a:fontRef idx="minor">
-            <a:schemeClr val="lt1"/>
+          <a:lnRef idx="1">
+            <a:schemeClr val="accent3"/>
+          </a:lnRef>
+          <a:fillRef idx="2">
+            <a:schemeClr val="accent3"/>
+          </a:fillRef>
+          <a:effectRef idx="1">
+            <a:schemeClr val="accent3"/>
+          </a:effectRef>
+          <a:fontRef idx="minor">
+            <a:schemeClr val="dk1"/>
           </a:fontRef>
         </p:style>
         <p:txBody>
@@ -16165,7 +16165,7 @@
         <p:spPr>
           <a:xfrm>
             <a:off x="889473" y="694639"/>
-            <a:ext cx="223779" cy="153888"/>
+            <a:ext cx="289503" cy="153888"/>
           </a:xfrm>
           <a:prstGeom prst="rect">
             <a:avLst/>
@@ -16174,13 +16174,13 @@
         </p:spPr>
         <p:style>
           <a:lnRef idx="1">
-            <a:schemeClr val="accent3"/>
-          </a:lnRef>
-          <a:fillRef idx="2">
-            <a:schemeClr val="accent3"/>
-          </a:fillRef>
-          <a:effectRef idx="1">
-            <a:schemeClr val="accent3"/>
+            <a:schemeClr val="accent5"/>
+          </a:lnRef>
+          <a:fillRef idx="2">
+            <a:schemeClr val="accent5"/>
+          </a:fillRef>
+          <a:effectRef idx="1">
+            <a:schemeClr val="accent5"/>
           </a:effectRef>
           <a:fontRef idx="minor">
             <a:schemeClr val="dk1"/>
@@ -16194,7 +16194,7 @@
           <a:p>
             <a:r>
               <a:rPr lang="en-US" sz="1000" smtClean="0"/>
-              <a:t>97</a:t>
+              <a:t>105</a:t>
             </a:r>
             <a:endParaRPr lang="en-US" sz="1000"/>
           </a:p>
@@ -16208,7 +16208,7 @@
         </p:nvSpPr>
         <p:spPr>
           <a:xfrm>
-            <a:off x="822483" y="1753328"/>
+            <a:off x="882868" y="1158106"/>
             <a:ext cx="223779" cy="153888"/>
           </a:xfrm>
           <a:prstGeom prst="rect">
@@ -16218,13 +16218,13 @@
         </p:spPr>
         <p:style>
           <a:lnRef idx="1">
-            <a:schemeClr val="accent3"/>
-          </a:lnRef>
-          <a:fillRef idx="2">
-            <a:schemeClr val="accent3"/>
-          </a:fillRef>
-          <a:effectRef idx="1">
-            <a:schemeClr val="accent3"/>
+            <a:schemeClr val="accent5"/>
+          </a:lnRef>
+          <a:fillRef idx="2">
+            <a:schemeClr val="accent5"/>
+          </a:fillRef>
+          <a:effectRef idx="1">
+            <a:schemeClr val="accent5"/>
           </a:effectRef>
           <a:fontRef idx="minor">
             <a:schemeClr val="dk1"/>
@@ -16238,7 +16238,7 @@
           <a:p>
             <a:r>
               <a:rPr lang="en-US" sz="1000" smtClean="0"/>
-              <a:t>98</a:t>
+              <a:t>51</a:t>
             </a:r>
             <a:endParaRPr lang="en-US" sz="1000"/>
           </a:p>
@@ -16253,7 +16253,7 @@
         <p:spPr>
           <a:xfrm>
             <a:off x="697279" y="2273024"/>
-            <a:ext cx="462627" cy="153888"/>
+            <a:ext cx="404919" cy="153888"/>
           </a:xfrm>
           <a:prstGeom prst="rect">
             <a:avLst/>
@@ -16262,13 +16262,13 @@
         </p:spPr>
         <p:style>
           <a:lnRef idx="1">
-            <a:schemeClr val="accent3"/>
-          </a:lnRef>
-          <a:fillRef idx="2">
-            <a:schemeClr val="accent3"/>
-          </a:fillRef>
-          <a:effectRef idx="1">
-            <a:schemeClr val="accent3"/>
+            <a:schemeClr val="accent5"/>
+          </a:lnRef>
+          <a:fillRef idx="2">
+            <a:schemeClr val="accent5"/>
+          </a:fillRef>
+          <a:effectRef idx="1">
+            <a:schemeClr val="accent5"/>
           </a:effectRef>
           <a:fontRef idx="minor">
             <a:schemeClr val="dk1"/>
@@ -16282,7 +16282,7 @@
           <a:p>
             <a:r>
               <a:rPr lang="en-US" sz="1000" smtClean="0"/>
-              <a:t>Xx/100</a:t>
+              <a:t>50/49</a:t>
             </a:r>
             <a:endParaRPr lang="en-US" sz="1000"/>
           </a:p>
@@ -16306,13 +16306,13 @@
         </p:spPr>
         <p:style>
           <a:lnRef idx="1">
-            <a:schemeClr val="accent3"/>
-          </a:lnRef>
-          <a:fillRef idx="2">
-            <a:schemeClr val="accent3"/>
-          </a:fillRef>
-          <a:effectRef idx="1">
-            <a:schemeClr val="accent3"/>
+            <a:schemeClr val="accent5"/>
+          </a:lnRef>
+          <a:fillRef idx="2">
+            <a:schemeClr val="accent5"/>
+          </a:fillRef>
+          <a:effectRef idx="1">
+            <a:schemeClr val="accent5"/>
           </a:effectRef>
           <a:fontRef idx="minor">
             <a:schemeClr val="dk1"/>
@@ -16325,8 +16325,8 @@
           <a:lstStyle/>
           <a:p>
             <a:r>
-              <a:rPr lang="en-US" sz="1000" dirty="0" smtClean="0"/>
-              <a:t>99</a:t>
+              <a:rPr lang="en-US" sz="1000" smtClean="0"/>
+              <a:t>27</a:t>
             </a:r>
             <a:endParaRPr lang="en-US" sz="1000" dirty="0"/>
           </a:p>
@@ -16341,7 +16341,7 @@
         <p:spPr>
           <a:xfrm>
             <a:off x="1085828" y="2771380"/>
-            <a:ext cx="289503" cy="153888"/>
+            <a:ext cx="223779" cy="153888"/>
           </a:xfrm>
           <a:prstGeom prst="rect">
             <a:avLst/>
@@ -16350,13 +16350,13 @@
         </p:spPr>
         <p:style>
           <a:lnRef idx="1">
-            <a:schemeClr val="accent3"/>
-          </a:lnRef>
-          <a:fillRef idx="2">
-            <a:schemeClr val="accent3"/>
-          </a:fillRef>
-          <a:effectRef idx="1">
-            <a:schemeClr val="accent3"/>
+            <a:schemeClr val="accent5"/>
+          </a:lnRef>
+          <a:fillRef idx="2">
+            <a:schemeClr val="accent5"/>
+          </a:fillRef>
+          <a:effectRef idx="1">
+            <a:schemeClr val="accent5"/>
           </a:effectRef>
           <a:fontRef idx="minor">
             <a:schemeClr val="dk1"/>
@@ -16370,7 +16370,7 @@
           <a:p>
             <a:r>
               <a:rPr lang="en-US" sz="1000" smtClean="0"/>
-              <a:t>101</a:t>
+              <a:t>48</a:t>
             </a:r>
             <a:endParaRPr lang="en-US" sz="1000"/>
           </a:p>
@@ -16384,8 +16384,8 @@
         </p:nvSpPr>
         <p:spPr>
           <a:xfrm>
-            <a:off x="270582" y="3028456"/>
-            <a:ext cx="289503" cy="153888"/>
+            <a:off x="417224" y="3597772"/>
+            <a:ext cx="223779" cy="153888"/>
           </a:xfrm>
           <a:prstGeom prst="rect">
             <a:avLst/>
@@ -16394,13 +16394,13 @@
         </p:spPr>
         <p:style>
           <a:lnRef idx="1">
-            <a:schemeClr val="accent3"/>
-          </a:lnRef>
-          <a:fillRef idx="2">
-            <a:schemeClr val="accent3"/>
-          </a:fillRef>
-          <a:effectRef idx="1">
-            <a:schemeClr val="accent3"/>
+            <a:schemeClr val="accent5"/>
+          </a:lnRef>
+          <a:fillRef idx="2">
+            <a:schemeClr val="accent5"/>
+          </a:fillRef>
+          <a:effectRef idx="1">
+            <a:schemeClr val="accent5"/>
           </a:effectRef>
           <a:fontRef idx="minor">
             <a:schemeClr val="dk1"/>
@@ -16413,8 +16413,8 @@
           <a:lstStyle/>
           <a:p>
             <a:r>
-              <a:rPr lang="en-US" sz="1000" dirty="0" smtClean="0"/>
-              <a:t>103</a:t>
+              <a:rPr lang="en-US" sz="1000" smtClean="0"/>
+              <a:t>23</a:t>
             </a:r>
             <a:endParaRPr lang="en-US" sz="1000" dirty="0"/>
           </a:p>
@@ -16428,8 +16428,8 @@
         </p:nvSpPr>
         <p:spPr>
           <a:xfrm>
-            <a:off x="811330" y="3214505"/>
-            <a:ext cx="289503" cy="153888"/>
+            <a:off x="716439" y="3499177"/>
+            <a:ext cx="223779" cy="153888"/>
           </a:xfrm>
           <a:prstGeom prst="rect">
             <a:avLst/>
@@ -16438,13 +16438,13 @@
         </p:spPr>
         <p:style>
           <a:lnRef idx="1">
-            <a:schemeClr val="accent3"/>
-          </a:lnRef>
-          <a:fillRef idx="2">
-            <a:schemeClr val="accent3"/>
-          </a:fillRef>
-          <a:effectRef idx="1">
-            <a:schemeClr val="accent3"/>
+            <a:schemeClr val="accent5"/>
+          </a:lnRef>
+          <a:fillRef idx="2">
+            <a:schemeClr val="accent5"/>
+          </a:fillRef>
+          <a:effectRef idx="1">
+            <a:schemeClr val="accent5"/>
           </a:effectRef>
           <a:fontRef idx="minor">
             <a:schemeClr val="dk1"/>
@@ -16457,8 +16457,12 @@
           <a:lstStyle/>
           <a:p>
             <a:r>
-              <a:rPr lang="en-US" sz="1000" dirty="0" smtClean="0"/>
-              <a:t>104</a:t>
+              <a:rPr lang="en-US" sz="1000" smtClean="0"/>
+              <a:t>8</a:t>
+            </a:r>
+            <a:r>
+              <a:rPr lang="en-US" sz="1000" smtClean="0"/>
+              <a:t>4</a:t>
             </a:r>
             <a:endParaRPr lang="en-US" sz="1000" dirty="0"/>
           </a:p>
@@ -16466,14 +16470,14 @@
       </p:sp>
       <p:sp>
         <p:nvSpPr>
-          <p:cNvPr id="366" name="TextBox 365"/>
+          <p:cNvPr id="367" name="TextBox 366"/>
           <p:cNvSpPr txBox="1"/>
           <p:nvPr/>
         </p:nvSpPr>
         <p:spPr>
           <a:xfrm>
-            <a:off x="4339059" y="5802851"/>
-            <a:ext cx="289503" cy="153888"/>
+            <a:off x="672112" y="4007671"/>
+            <a:ext cx="404919" cy="153888"/>
           </a:xfrm>
           <a:prstGeom prst="rect">
             <a:avLst/>
@@ -16482,13 +16486,13 @@
         </p:spPr>
         <p:style>
           <a:lnRef idx="1">
-            <a:schemeClr val="accent3"/>
-          </a:lnRef>
-          <a:fillRef idx="2">
-            <a:schemeClr val="accent3"/>
-          </a:fillRef>
-          <a:effectRef idx="1">
-            <a:schemeClr val="accent3"/>
+            <a:schemeClr val="accent5"/>
+          </a:lnRef>
+          <a:fillRef idx="2">
+            <a:schemeClr val="accent5"/>
+          </a:fillRef>
+          <a:effectRef idx="1">
+            <a:schemeClr val="accent5"/>
           </a:effectRef>
           <a:fontRef idx="minor">
             <a:schemeClr val="dk1"/>
@@ -16501,8 +16505,12 @@
           <a:lstStyle/>
           <a:p>
             <a:r>
-              <a:rPr lang="en-US" sz="1000" dirty="0" smtClean="0"/>
-              <a:t>105</a:t>
+              <a:rPr lang="en-US" sz="1000" smtClean="0"/>
+              <a:t>83</a:t>
+            </a:r>
+            <a:r>
+              <a:rPr lang="en-US" sz="1000" smtClean="0"/>
+              <a:t>/82</a:t>
             </a:r>
             <a:endParaRPr lang="en-US" sz="1000" dirty="0"/>
           </a:p>
@@ -16510,14 +16518,14 @@
       </p:sp>
       <p:sp>
         <p:nvSpPr>
-          <p:cNvPr id="367" name="TextBox 366"/>
+          <p:cNvPr id="368" name="TextBox 367"/>
           <p:cNvSpPr txBox="1"/>
           <p:nvPr/>
         </p:nvSpPr>
         <p:spPr>
           <a:xfrm>
-            <a:off x="672112" y="4007671"/>
-            <a:ext cx="451406" cy="153888"/>
+            <a:off x="911023" y="5912612"/>
+            <a:ext cx="223779" cy="153888"/>
           </a:xfrm>
           <a:prstGeom prst="rect">
             <a:avLst/>
@@ -16526,13 +16534,13 @@
         </p:spPr>
         <p:style>
           <a:lnRef idx="1">
-            <a:schemeClr val="accent3"/>
-          </a:lnRef>
-          <a:fillRef idx="2">
-            <a:schemeClr val="accent3"/>
-          </a:fillRef>
-          <a:effectRef idx="1">
-            <a:schemeClr val="accent3"/>
+            <a:schemeClr val="accent5"/>
+          </a:lnRef>
+          <a:fillRef idx="2">
+            <a:schemeClr val="accent5"/>
+          </a:fillRef>
+          <a:effectRef idx="1">
+            <a:schemeClr val="accent5"/>
           </a:effectRef>
           <a:fontRef idx="minor">
             <a:schemeClr val="dk1"/>
@@ -16546,7 +16554,7 @@
           <a:p>
             <a:r>
               <a:rPr lang="en-US" sz="1000" smtClean="0"/>
-              <a:t>106/xx</a:t>
+              <a:t>85</a:t>
             </a:r>
             <a:endParaRPr lang="en-US" sz="1000" dirty="0"/>
           </a:p>
@@ -16554,14 +16562,14 @@
       </p:sp>
       <p:sp>
         <p:nvSpPr>
-          <p:cNvPr id="368" name="TextBox 367"/>
+          <p:cNvPr id="369" name="TextBox 368"/>
           <p:cNvSpPr txBox="1"/>
           <p:nvPr/>
         </p:nvSpPr>
         <p:spPr>
           <a:xfrm>
-            <a:off x="911023" y="5912612"/>
-            <a:ext cx="289503" cy="153888"/>
+            <a:off x="569357" y="5947393"/>
+            <a:ext cx="223779" cy="153888"/>
           </a:xfrm>
           <a:prstGeom prst="rect">
             <a:avLst/>
@@ -16570,13 +16578,13 @@
         </p:spPr>
         <p:style>
           <a:lnRef idx="1">
-            <a:schemeClr val="accent3"/>
-          </a:lnRef>
-          <a:fillRef idx="2">
-            <a:schemeClr val="accent3"/>
-          </a:fillRef>
-          <a:effectRef idx="1">
-            <a:schemeClr val="accent3"/>
+            <a:schemeClr val="accent5"/>
+          </a:lnRef>
+          <a:fillRef idx="2">
+            <a:schemeClr val="accent5"/>
+          </a:fillRef>
+          <a:effectRef idx="1">
+            <a:schemeClr val="accent5"/>
           </a:effectRef>
           <a:fontRef idx="minor">
             <a:schemeClr val="dk1"/>
@@ -16589,23 +16597,23 @@
           <a:lstStyle/>
           <a:p>
             <a:r>
-              <a:rPr lang="en-US" sz="1000" dirty="0" smtClean="0"/>
-              <a:t>107</a:t>
-            </a:r>
-            <a:endParaRPr lang="en-US" sz="1000" dirty="0"/>
-          </a:p>
-        </p:txBody>
-      </p:sp>
-      <p:sp>
-        <p:nvSpPr>
-          <p:cNvPr id="369" name="TextBox 368"/>
+              <a:rPr lang="en-US" sz="1000" smtClean="0"/>
+              <a:t>21</a:t>
+            </a:r>
+            <a:endParaRPr lang="en-US" sz="1000"/>
+          </a:p>
+        </p:txBody>
+      </p:sp>
+      <p:sp>
+        <p:nvSpPr>
+          <p:cNvPr id="370" name="TextBox 369"/>
           <p:cNvSpPr txBox="1"/>
           <p:nvPr/>
         </p:nvSpPr>
         <p:spPr>
           <a:xfrm>
-            <a:off x="517601" y="5947393"/>
-            <a:ext cx="289503" cy="153888"/>
+            <a:off x="2013931" y="5952373"/>
+            <a:ext cx="223779" cy="153888"/>
           </a:xfrm>
           <a:prstGeom prst="rect">
             <a:avLst/>
@@ -16614,13 +16622,13 @@
         </p:spPr>
         <p:style>
           <a:lnRef idx="1">
-            <a:schemeClr val="accent3"/>
-          </a:lnRef>
-          <a:fillRef idx="2">
-            <a:schemeClr val="accent3"/>
-          </a:fillRef>
-          <a:effectRef idx="1">
-            <a:schemeClr val="accent3"/>
+            <a:schemeClr val="accent5"/>
+          </a:lnRef>
+          <a:fillRef idx="2">
+            <a:schemeClr val="accent5"/>
+          </a:fillRef>
+          <a:effectRef idx="1">
+            <a:schemeClr val="accent5"/>
           </a:effectRef>
           <a:fontRef idx="minor">
             <a:schemeClr val="dk1"/>
@@ -16634,22 +16642,22 @@
           <a:p>
             <a:r>
               <a:rPr lang="en-US" sz="1000" smtClean="0"/>
-              <a:t>108</a:t>
-            </a:r>
-            <a:endParaRPr lang="en-US" sz="1000"/>
-          </a:p>
-        </p:txBody>
-      </p:sp>
-      <p:sp>
-        <p:nvSpPr>
-          <p:cNvPr id="370" name="TextBox 369"/>
+              <a:t>86</a:t>
+            </a:r>
+            <a:endParaRPr lang="en-US" sz="1000" dirty="0"/>
+          </a:p>
+        </p:txBody>
+      </p:sp>
+      <p:sp>
+        <p:nvSpPr>
+          <p:cNvPr id="371" name="TextBox 370"/>
           <p:cNvSpPr txBox="1"/>
           <p:nvPr/>
         </p:nvSpPr>
         <p:spPr>
           <a:xfrm>
-            <a:off x="2013931" y="5952373"/>
-            <a:ext cx="289503" cy="153888"/>
+            <a:off x="2036686" y="6245494"/>
+            <a:ext cx="223779" cy="153888"/>
           </a:xfrm>
           <a:prstGeom prst="rect">
             <a:avLst/>
@@ -16658,13 +16666,13 @@
         </p:spPr>
         <p:style>
           <a:lnRef idx="1">
-            <a:schemeClr val="accent3"/>
-          </a:lnRef>
-          <a:fillRef idx="2">
-            <a:schemeClr val="accent3"/>
-          </a:fillRef>
-          <a:effectRef idx="1">
-            <a:schemeClr val="accent3"/>
+            <a:schemeClr val="accent5"/>
+          </a:lnRef>
+          <a:fillRef idx="2">
+            <a:schemeClr val="accent5"/>
+          </a:fillRef>
+          <a:effectRef idx="1">
+            <a:schemeClr val="accent5"/>
           </a:effectRef>
           <a:fontRef idx="minor">
             <a:schemeClr val="dk1"/>
@@ -16677,8 +16685,8 @@
           <a:lstStyle/>
           <a:p>
             <a:r>
-              <a:rPr lang="en-US" sz="1000" dirty="0" smtClean="0"/>
-              <a:t>117</a:t>
+              <a:rPr lang="en-US" sz="1000" smtClean="0"/>
+              <a:t>20</a:t>
             </a:r>
             <a:endParaRPr lang="en-US" sz="1000" dirty="0"/>
           </a:p>
@@ -16686,14 +16694,14 @@
       </p:sp>
       <p:sp>
         <p:nvSpPr>
-          <p:cNvPr id="371" name="TextBox 370"/>
+          <p:cNvPr id="372" name="TextBox 371"/>
           <p:cNvSpPr txBox="1"/>
           <p:nvPr/>
         </p:nvSpPr>
         <p:spPr>
           <a:xfrm>
-            <a:off x="2036686" y="6245494"/>
-            <a:ext cx="289503" cy="153888"/>
+            <a:off x="3585103" y="2142875"/>
+            <a:ext cx="223779" cy="153888"/>
           </a:xfrm>
           <a:prstGeom prst="rect">
             <a:avLst/>
@@ -16702,13 +16710,13 @@
         </p:spPr>
         <p:style>
           <a:lnRef idx="1">
-            <a:schemeClr val="accent3"/>
-          </a:lnRef>
-          <a:fillRef idx="2">
-            <a:schemeClr val="accent3"/>
-          </a:fillRef>
-          <a:effectRef idx="1">
-            <a:schemeClr val="accent3"/>
+            <a:schemeClr val="accent5"/>
+          </a:lnRef>
+          <a:fillRef idx="2">
+            <a:schemeClr val="accent5"/>
+          </a:fillRef>
+          <a:effectRef idx="1">
+            <a:schemeClr val="accent5"/>
           </a:effectRef>
           <a:fontRef idx="minor">
             <a:schemeClr val="dk1"/>
@@ -16721,22 +16729,22 @@
           <a:lstStyle/>
           <a:p>
             <a:r>
-              <a:rPr lang="en-US" sz="1000" dirty="0" smtClean="0"/>
-              <a:t>118</a:t>
-            </a:r>
-            <a:endParaRPr lang="en-US" sz="1000" dirty="0"/>
-          </a:p>
-        </p:txBody>
-      </p:sp>
-      <p:sp>
-        <p:nvSpPr>
-          <p:cNvPr id="372" name="TextBox 371"/>
+              <a:rPr lang="en-US" sz="1000" smtClean="0"/>
+              <a:t>44</a:t>
+            </a:r>
+            <a:endParaRPr lang="en-US" sz="1000"/>
+          </a:p>
+        </p:txBody>
+      </p:sp>
+      <p:sp>
+        <p:nvSpPr>
+          <p:cNvPr id="373" name="TextBox 372"/>
           <p:cNvSpPr txBox="1"/>
           <p:nvPr/>
         </p:nvSpPr>
         <p:spPr>
           <a:xfrm>
-            <a:off x="4516756" y="5308769"/>
+            <a:off x="4870862" y="765367"/>
             <a:ext cx="223779" cy="153888"/>
           </a:xfrm>
           <a:prstGeom prst="rect">
@@ -16746,13 +16754,13 @@
         </p:spPr>
         <p:style>
           <a:lnRef idx="1">
-            <a:schemeClr val="accent3"/>
-          </a:lnRef>
-          <a:fillRef idx="2">
-            <a:schemeClr val="accent3"/>
-          </a:fillRef>
-          <a:effectRef idx="1">
-            <a:schemeClr val="accent3"/>
+            <a:schemeClr val="accent5"/>
+          </a:lnRef>
+          <a:fillRef idx="2">
+            <a:schemeClr val="accent5"/>
+          </a:fillRef>
+          <a:effectRef idx="1">
+            <a:schemeClr val="accent5"/>
           </a:effectRef>
           <a:fontRef idx="minor">
             <a:schemeClr val="dk1"/>
@@ -16766,7 +16774,7 @@
           <a:p>
             <a:r>
               <a:rPr lang="en-US" sz="1000" smtClean="0"/>
-              <a:t>90</a:t>
+              <a:t>54</a:t>
             </a:r>
             <a:endParaRPr lang="en-US" sz="1000"/>
           </a:p>
@@ -16774,14 +16782,14 @@
       </p:sp>
       <p:sp>
         <p:nvSpPr>
-          <p:cNvPr id="373" name="TextBox 372"/>
+          <p:cNvPr id="374" name="TextBox 373"/>
           <p:cNvSpPr txBox="1"/>
           <p:nvPr/>
         </p:nvSpPr>
         <p:spPr>
           <a:xfrm>
-            <a:off x="4491318" y="739489"/>
-            <a:ext cx="223779" cy="153888"/>
+            <a:off x="3809412" y="455326"/>
+            <a:ext cx="223779" cy="461665"/>
           </a:xfrm>
           <a:prstGeom prst="rect">
             <a:avLst/>
@@ -16790,13 +16798,13 @@
         </p:spPr>
         <p:style>
           <a:lnRef idx="1">
-            <a:schemeClr val="accent3"/>
-          </a:lnRef>
-          <a:fillRef idx="2">
-            <a:schemeClr val="accent3"/>
-          </a:fillRef>
-          <a:effectRef idx="1">
-            <a:schemeClr val="accent3"/>
+            <a:schemeClr val="accent5"/>
+          </a:lnRef>
+          <a:fillRef idx="2">
+            <a:schemeClr val="accent5"/>
+          </a:fillRef>
+          <a:effectRef idx="1">
+            <a:schemeClr val="accent5"/>
           </a:effectRef>
           <a:fontRef idx="minor">
             <a:schemeClr val="dk1"/>
@@ -16810,7 +16818,29 @@
           <a:p>
             <a:r>
               <a:rPr lang="en-US" sz="1000" smtClean="0"/>
-              <a:t>72</a:t>
+              <a:t>29</a:t>
+            </a:r>
+            <a:r>
+              <a:rPr lang="en-US" sz="1000" smtClean="0"/>
+              <a:t/>
+            </a:r>
+            <a:br>
+              <a:rPr lang="en-US" sz="1000" smtClean="0"/>
+            </a:br>
+            <a:r>
+              <a:rPr lang="en-US" sz="1000" smtClean="0"/>
+              <a:t>30</a:t>
+            </a:r>
+            <a:r>
+              <a:rPr lang="en-US" sz="1000" smtClean="0"/>
+              <a:t/>
+            </a:r>
+            <a:br>
+              <a:rPr lang="en-US" sz="1000" smtClean="0"/>
+            </a:br>
+            <a:r>
+              <a:rPr lang="en-US" sz="1000" smtClean="0"/>
+              <a:t>31</a:t>
             </a:r>
             <a:endParaRPr lang="en-US" sz="1000"/>
           </a:p>
@@ -16818,14 +16848,14 @@
       </p:sp>
       <p:sp>
         <p:nvSpPr>
-          <p:cNvPr id="374" name="TextBox 373"/>
+          <p:cNvPr id="375" name="TextBox 374"/>
           <p:cNvSpPr txBox="1"/>
           <p:nvPr/>
         </p:nvSpPr>
         <p:spPr>
           <a:xfrm>
-            <a:off x="3809412" y="455326"/>
-            <a:ext cx="223779" cy="461665"/>
+            <a:off x="4303950" y="1081096"/>
+            <a:ext cx="223779" cy="153888"/>
           </a:xfrm>
           <a:prstGeom prst="rect">
             <a:avLst/>
@@ -16834,13 +16864,13 @@
         </p:spPr>
         <p:style>
           <a:lnRef idx="1">
-            <a:schemeClr val="accent3"/>
-          </a:lnRef>
-          <a:fillRef idx="2">
-            <a:schemeClr val="accent3"/>
-          </a:fillRef>
-          <a:effectRef idx="1">
-            <a:schemeClr val="accent3"/>
+            <a:schemeClr val="accent5"/>
+          </a:lnRef>
+          <a:fillRef idx="2">
+            <a:schemeClr val="accent5"/>
+          </a:fillRef>
+          <a:effectRef idx="1">
+            <a:schemeClr val="accent5"/>
           </a:effectRef>
           <a:fontRef idx="minor">
             <a:schemeClr val="dk1"/>
@@ -16854,21 +16884,7 @@
           <a:p>
             <a:r>
               <a:rPr lang="en-US" sz="1000" smtClean="0"/>
-              <a:t>65</a:t>
-            </a:r>
-            <a:br>
-              <a:rPr lang="en-US" sz="1000" smtClean="0"/>
-            </a:br>
-            <a:r>
-              <a:rPr lang="en-US" sz="1000" smtClean="0"/>
-              <a:t>xx</a:t>
-            </a:r>
-            <a:br>
-              <a:rPr lang="en-US" sz="1000" smtClean="0"/>
-            </a:br>
-            <a:r>
-              <a:rPr lang="en-US" sz="1000" smtClean="0"/>
-              <a:t>yy</a:t>
+              <a:t>96</a:t>
             </a:r>
             <a:endParaRPr lang="en-US" sz="1000"/>
           </a:p>
@@ -16876,13 +16892,13 @@
       </p:sp>
       <p:sp>
         <p:nvSpPr>
-          <p:cNvPr id="375" name="TextBox 374"/>
+          <p:cNvPr id="376" name="TextBox 375"/>
           <p:cNvSpPr txBox="1"/>
           <p:nvPr/>
         </p:nvSpPr>
         <p:spPr>
           <a:xfrm>
-            <a:off x="3967519" y="1106975"/>
+            <a:off x="4531910" y="914865"/>
             <a:ext cx="223779" cy="153888"/>
           </a:xfrm>
           <a:prstGeom prst="rect">
@@ -16892,13 +16908,13 @@
         </p:spPr>
         <p:style>
           <a:lnRef idx="1">
-            <a:schemeClr val="accent3"/>
-          </a:lnRef>
-          <a:fillRef idx="2">
-            <a:schemeClr val="accent3"/>
-          </a:fillRef>
-          <a:effectRef idx="1">
-            <a:schemeClr val="accent3"/>
+            <a:schemeClr val="accent5"/>
+          </a:lnRef>
+          <a:fillRef idx="2">
+            <a:schemeClr val="accent5"/>
+          </a:fillRef>
+          <a:effectRef idx="1">
+            <a:schemeClr val="accent5"/>
           </a:effectRef>
           <a:fontRef idx="minor">
             <a:schemeClr val="dk1"/>
@@ -16912,7 +16928,7 @@
           <a:p>
             <a:r>
               <a:rPr lang="en-US" sz="1000" smtClean="0"/>
-              <a:t>68</a:t>
+              <a:t>95</a:t>
             </a:r>
             <a:endParaRPr lang="en-US" sz="1000"/>
           </a:p>
@@ -16920,14 +16936,14 @@
       </p:sp>
       <p:sp>
         <p:nvSpPr>
-          <p:cNvPr id="376" name="TextBox 375"/>
+          <p:cNvPr id="377" name="TextBox 376"/>
           <p:cNvSpPr txBox="1"/>
           <p:nvPr/>
         </p:nvSpPr>
         <p:spPr>
           <a:xfrm>
-            <a:off x="3971193" y="932118"/>
-            <a:ext cx="223779" cy="153888"/>
+            <a:off x="3094697" y="763177"/>
+            <a:ext cx="289503" cy="153888"/>
           </a:xfrm>
           <a:prstGeom prst="rect">
             <a:avLst/>
@@ -16936,13 +16952,13 @@
         </p:spPr>
         <p:style>
           <a:lnRef idx="1">
-            <a:schemeClr val="accent3"/>
-          </a:lnRef>
-          <a:fillRef idx="2">
-            <a:schemeClr val="accent3"/>
-          </a:fillRef>
-          <a:effectRef idx="1">
-            <a:schemeClr val="accent3"/>
+            <a:schemeClr val="accent5"/>
+          </a:lnRef>
+          <a:fillRef idx="2">
+            <a:schemeClr val="accent5"/>
+          </a:fillRef>
+          <a:effectRef idx="1">
+            <a:schemeClr val="accent5"/>
           </a:effectRef>
           <a:fontRef idx="minor">
             <a:schemeClr val="dk1"/>
@@ -16956,7 +16972,7 @@
           <a:p>
             <a:r>
               <a:rPr lang="en-US" sz="1000" smtClean="0"/>
-              <a:t>67</a:t>
+              <a:t>109</a:t>
             </a:r>
             <a:endParaRPr lang="en-US" sz="1000"/>
           </a:p>
@@ -16964,14 +16980,14 @@
       </p:sp>
       <p:sp>
         <p:nvSpPr>
-          <p:cNvPr id="377" name="TextBox 376"/>
+          <p:cNvPr id="379" name="TextBox 378"/>
           <p:cNvSpPr txBox="1"/>
           <p:nvPr/>
         </p:nvSpPr>
         <p:spPr>
           <a:xfrm>
-            <a:off x="3456989" y="832185"/>
-            <a:ext cx="223779" cy="153888"/>
+            <a:off x="2375922" y="606245"/>
+            <a:ext cx="223779" cy="307777"/>
           </a:xfrm>
           <a:prstGeom prst="rect">
             <a:avLst/>
@@ -16980,13 +16996,13 @@
         </p:spPr>
         <p:style>
           <a:lnRef idx="1">
-            <a:schemeClr val="accent3"/>
-          </a:lnRef>
-          <a:fillRef idx="2">
-            <a:schemeClr val="accent3"/>
-          </a:fillRef>
-          <a:effectRef idx="1">
-            <a:schemeClr val="accent3"/>
+            <a:schemeClr val="accent5"/>
+          </a:lnRef>
+          <a:fillRef idx="2">
+            <a:schemeClr val="accent5"/>
+          </a:fillRef>
+          <a:effectRef idx="1">
+            <a:schemeClr val="accent5"/>
           </a:effectRef>
           <a:fontRef idx="minor">
             <a:schemeClr val="dk1"/>
@@ -17000,7 +17016,14 @@
           <a:p>
             <a:r>
               <a:rPr lang="en-US" sz="1000" smtClean="0"/>
-              <a:t>88</a:t>
+              <a:t>52</a:t>
+            </a:r>
+            <a:endParaRPr lang="en-US" sz="1000" smtClean="0"/>
+          </a:p>
+          <a:p>
+            <a:r>
+              <a:rPr lang="en-US" sz="1000" smtClean="0"/>
+              <a:t>53</a:t>
             </a:r>
             <a:endParaRPr lang="en-US" sz="1000"/>
           </a:p>
@@ -17008,13 +17031,13 @@
       </p:sp>
       <p:sp>
         <p:nvSpPr>
-          <p:cNvPr id="378" name="TextBox 377"/>
+          <p:cNvPr id="381" name="TextBox 380"/>
           <p:cNvSpPr txBox="1"/>
           <p:nvPr/>
         </p:nvSpPr>
         <p:spPr>
           <a:xfrm>
-            <a:off x="3401643" y="476095"/>
+            <a:off x="1478548" y="1825416"/>
             <a:ext cx="223779" cy="153888"/>
           </a:xfrm>
           <a:prstGeom prst="rect">
@@ -17024,13 +17047,13 @@
         </p:spPr>
         <p:style>
           <a:lnRef idx="1">
-            <a:schemeClr val="accent3"/>
-          </a:lnRef>
-          <a:fillRef idx="2">
-            <a:schemeClr val="accent3"/>
-          </a:fillRef>
-          <a:effectRef idx="1">
-            <a:schemeClr val="accent3"/>
+            <a:schemeClr val="accent5"/>
+          </a:lnRef>
+          <a:fillRef idx="2">
+            <a:schemeClr val="accent5"/>
+          </a:fillRef>
+          <a:effectRef idx="1">
+            <a:schemeClr val="accent5"/>
           </a:effectRef>
           <a:fontRef idx="minor">
             <a:schemeClr val="dk1"/>
@@ -17044,7 +17067,7 @@
           <a:p>
             <a:r>
               <a:rPr lang="en-US" sz="1000" smtClean="0"/>
-              <a:t>87</a:t>
+              <a:t>92</a:t>
             </a:r>
             <a:endParaRPr lang="en-US" sz="1000"/>
           </a:p>
@@ -17052,13 +17075,13 @@
       </p:sp>
       <p:sp>
         <p:nvSpPr>
-          <p:cNvPr id="379" name="TextBox 378"/>
+          <p:cNvPr id="382" name="TextBox 381"/>
           <p:cNvSpPr txBox="1"/>
           <p:nvPr/>
         </p:nvSpPr>
         <p:spPr>
           <a:xfrm>
-            <a:off x="2522564" y="606245"/>
+            <a:off x="1247704" y="1558637"/>
             <a:ext cx="223779" cy="153888"/>
           </a:xfrm>
           <a:prstGeom prst="rect">
@@ -17068,13 +17091,13 @@
         </p:spPr>
         <p:style>
           <a:lnRef idx="1">
-            <a:schemeClr val="accent3"/>
-          </a:lnRef>
-          <a:fillRef idx="2">
-            <a:schemeClr val="accent3"/>
-          </a:fillRef>
-          <a:effectRef idx="1">
-            <a:schemeClr val="accent3"/>
+            <a:schemeClr val="accent5"/>
+          </a:lnRef>
+          <a:fillRef idx="2">
+            <a:schemeClr val="accent5"/>
+          </a:fillRef>
+          <a:effectRef idx="1">
+            <a:schemeClr val="accent5"/>
           </a:effectRef>
           <a:fontRef idx="minor">
             <a:schemeClr val="dk1"/>
@@ -17088,7 +17111,7 @@
           <a:p>
             <a:r>
               <a:rPr lang="en-US" sz="1000" smtClean="0"/>
-              <a:t>85</a:t>
+              <a:t>91</a:t>
             </a:r>
             <a:endParaRPr lang="en-US" sz="1000"/>
           </a:p>
@@ -17096,13 +17119,13 @@
       </p:sp>
       <p:sp>
         <p:nvSpPr>
-          <p:cNvPr id="380" name="TextBox 379"/>
+          <p:cNvPr id="384" name="TextBox 383"/>
           <p:cNvSpPr txBox="1"/>
           <p:nvPr/>
         </p:nvSpPr>
         <p:spPr>
           <a:xfrm>
-            <a:off x="2533552" y="1004715"/>
+            <a:off x="2098999" y="560145"/>
             <a:ext cx="223779" cy="153888"/>
           </a:xfrm>
           <a:prstGeom prst="rect">
@@ -17112,13 +17135,13 @@
         </p:spPr>
         <p:style>
           <a:lnRef idx="1">
-            <a:schemeClr val="accent3"/>
-          </a:lnRef>
-          <a:fillRef idx="2">
-            <a:schemeClr val="accent3"/>
-          </a:fillRef>
-          <a:effectRef idx="1">
-            <a:schemeClr val="accent3"/>
+            <a:schemeClr val="accent5"/>
+          </a:lnRef>
+          <a:fillRef idx="2">
+            <a:schemeClr val="accent5"/>
+          </a:fillRef>
+          <a:effectRef idx="1">
+            <a:schemeClr val="accent5"/>
           </a:effectRef>
           <a:fontRef idx="minor">
             <a:schemeClr val="dk1"/>
@@ -17132,21 +17155,21 @@
           <a:p>
             <a:r>
               <a:rPr lang="en-US" sz="1000" smtClean="0"/>
-              <a:t>86</a:t>
-            </a:r>
-            <a:endParaRPr lang="en-US" sz="1000"/>
-          </a:p>
-        </p:txBody>
-      </p:sp>
-      <p:sp>
-        <p:nvSpPr>
-          <p:cNvPr id="381" name="TextBox 380"/>
+              <a:t>28</a:t>
+            </a:r>
+            <a:endParaRPr lang="en-US" sz="1000" dirty="0"/>
+          </a:p>
+        </p:txBody>
+      </p:sp>
+      <p:sp>
+        <p:nvSpPr>
+          <p:cNvPr id="385" name="TextBox 384"/>
           <p:cNvSpPr txBox="1"/>
           <p:nvPr/>
         </p:nvSpPr>
         <p:spPr>
           <a:xfrm>
-            <a:off x="1987507" y="1264699"/>
+            <a:off x="2067624" y="2765838"/>
             <a:ext cx="223779" cy="153888"/>
           </a:xfrm>
           <a:prstGeom prst="rect">
@@ -17156,13 +17179,13 @@
         </p:spPr>
         <p:style>
           <a:lnRef idx="1">
-            <a:schemeClr val="accent3"/>
-          </a:lnRef>
-          <a:fillRef idx="2">
-            <a:schemeClr val="accent3"/>
-          </a:fillRef>
-          <a:effectRef idx="1">
-            <a:schemeClr val="accent3"/>
+            <a:schemeClr val="accent5"/>
+          </a:lnRef>
+          <a:fillRef idx="2">
+            <a:schemeClr val="accent5"/>
+          </a:fillRef>
+          <a:effectRef idx="1">
+            <a:schemeClr val="accent5"/>
           </a:effectRef>
           <a:fontRef idx="minor">
             <a:schemeClr val="dk1"/>
@@ -17176,7 +17199,7 @@
           <a:p>
             <a:r>
               <a:rPr lang="en-US" sz="1000" smtClean="0"/>
-              <a:t>84</a:t>
+              <a:t>47</a:t>
             </a:r>
             <a:endParaRPr lang="en-US" sz="1000"/>
           </a:p>
@@ -17184,13 +17207,13 @@
       </p:sp>
       <p:sp>
         <p:nvSpPr>
-          <p:cNvPr id="382" name="TextBox 381"/>
+          <p:cNvPr id="387" name="TextBox 386"/>
           <p:cNvSpPr txBox="1"/>
           <p:nvPr/>
         </p:nvSpPr>
         <p:spPr>
           <a:xfrm>
-            <a:off x="1644519" y="1058305"/>
+            <a:off x="1202818" y="3381436"/>
             <a:ext cx="223779" cy="153888"/>
           </a:xfrm>
           <a:prstGeom prst="rect">
@@ -17200,13 +17223,13 @@
         </p:spPr>
         <p:style>
           <a:lnRef idx="1">
-            <a:schemeClr val="accent3"/>
-          </a:lnRef>
-          <a:fillRef idx="2">
-            <a:schemeClr val="accent3"/>
-          </a:fillRef>
-          <a:effectRef idx="1">
-            <a:schemeClr val="accent3"/>
+            <a:schemeClr val="accent5"/>
+          </a:lnRef>
+          <a:fillRef idx="2">
+            <a:schemeClr val="accent5"/>
+          </a:fillRef>
+          <a:effectRef idx="1">
+            <a:schemeClr val="accent5"/>
           </a:effectRef>
           <a:fontRef idx="minor">
             <a:schemeClr val="dk1"/>
@@ -17220,7 +17243,7 @@
           <a:p>
             <a:r>
               <a:rPr lang="en-US" sz="1000" smtClean="0"/>
-              <a:t>83</a:t>
+              <a:t>81</a:t>
             </a:r>
             <a:endParaRPr lang="en-US" sz="1000"/>
           </a:p>
@@ -17228,13 +17251,13 @@
       </p:sp>
       <p:sp>
         <p:nvSpPr>
-          <p:cNvPr id="383" name="TextBox 382"/>
+          <p:cNvPr id="390" name="TextBox 389"/>
           <p:cNvSpPr txBox="1"/>
           <p:nvPr/>
         </p:nvSpPr>
         <p:spPr>
           <a:xfrm>
-            <a:off x="1101474" y="889334"/>
+            <a:off x="8232266" y="3047566"/>
             <a:ext cx="223779" cy="153888"/>
           </a:xfrm>
           <a:prstGeom prst="rect">
@@ -17244,13 +17267,13 @@
         </p:spPr>
         <p:style>
           <a:lnRef idx="1">
-            <a:schemeClr val="accent3"/>
-          </a:lnRef>
-          <a:fillRef idx="2">
-            <a:schemeClr val="accent3"/>
-          </a:fillRef>
-          <a:effectRef idx="1">
-            <a:schemeClr val="accent3"/>
+            <a:schemeClr val="accent5"/>
+          </a:lnRef>
+          <a:fillRef idx="2">
+            <a:schemeClr val="accent5"/>
+          </a:fillRef>
+          <a:effectRef idx="1">
+            <a:schemeClr val="accent5"/>
           </a:effectRef>
           <a:fontRef idx="minor">
             <a:schemeClr val="dk1"/>
@@ -17264,21 +17287,21 @@
           <a:p>
             <a:r>
               <a:rPr lang="en-US" sz="1000" smtClean="0"/>
-              <a:t>82</a:t>
-            </a:r>
-            <a:endParaRPr lang="en-US" sz="1000"/>
-          </a:p>
-        </p:txBody>
-      </p:sp>
-      <p:sp>
-        <p:nvSpPr>
-          <p:cNvPr id="384" name="TextBox 383"/>
+              <a:t>59</a:t>
+            </a:r>
+            <a:endParaRPr lang="en-US" sz="1000" dirty="0"/>
+          </a:p>
+        </p:txBody>
+      </p:sp>
+      <p:sp>
+        <p:nvSpPr>
+          <p:cNvPr id="391" name="TextBox 390"/>
           <p:cNvSpPr txBox="1"/>
           <p:nvPr/>
         </p:nvSpPr>
         <p:spPr>
           <a:xfrm>
-            <a:off x="1883349" y="465259"/>
+            <a:off x="7098154" y="573456"/>
             <a:ext cx="223779" cy="153888"/>
           </a:xfrm>
           <a:prstGeom prst="rect">
@@ -17288,13 +17311,13 @@
         </p:spPr>
         <p:style>
           <a:lnRef idx="1">
-            <a:schemeClr val="accent3"/>
-          </a:lnRef>
-          <a:fillRef idx="2">
-            <a:schemeClr val="accent3"/>
-          </a:fillRef>
-          <a:effectRef idx="1">
-            <a:schemeClr val="accent3"/>
+            <a:schemeClr val="accent5"/>
+          </a:lnRef>
+          <a:fillRef idx="2">
+            <a:schemeClr val="accent5"/>
+          </a:fillRef>
+          <a:effectRef idx="1">
+            <a:schemeClr val="accent5"/>
           </a:effectRef>
           <a:fontRef idx="minor">
             <a:schemeClr val="dk1"/>
@@ -17307,8 +17330,8 @@
           <a:lstStyle/>
           <a:p>
             <a:r>
-              <a:rPr lang="en-US" sz="1000" dirty="0" smtClean="0"/>
-              <a:t>81</a:t>
+              <a:rPr lang="en-US" sz="1000" smtClean="0"/>
+              <a:t>33</a:t>
             </a:r>
             <a:endParaRPr lang="en-US" sz="1000" dirty="0"/>
           </a:p>
@@ -17316,13 +17339,13 @@
       </p:sp>
       <p:sp>
         <p:nvSpPr>
-          <p:cNvPr id="385" name="TextBox 384"/>
+          <p:cNvPr id="392" name="TextBox 391"/>
           <p:cNvSpPr txBox="1"/>
           <p:nvPr/>
         </p:nvSpPr>
         <p:spPr>
           <a:xfrm>
-            <a:off x="2067624" y="2739960"/>
+            <a:off x="7364922" y="793937"/>
             <a:ext cx="223779" cy="153888"/>
           </a:xfrm>
           <a:prstGeom prst="rect">
@@ -17332,13 +17355,13 @@
         </p:spPr>
         <p:style>
           <a:lnRef idx="1">
-            <a:schemeClr val="accent3"/>
-          </a:lnRef>
-          <a:fillRef idx="2">
-            <a:schemeClr val="accent3"/>
-          </a:fillRef>
-          <a:effectRef idx="1">
-            <a:schemeClr val="accent3"/>
+            <a:schemeClr val="accent5"/>
+          </a:lnRef>
+          <a:fillRef idx="2">
+            <a:schemeClr val="accent5"/>
+          </a:fillRef>
+          <a:effectRef idx="1">
+            <a:schemeClr val="accent5"/>
           </a:effectRef>
           <a:fontRef idx="minor">
             <a:schemeClr val="dk1"/>
@@ -17352,22 +17375,22 @@
           <a:p>
             <a:r>
               <a:rPr lang="en-US" sz="1000" smtClean="0"/>
-              <a:t>92</a:t>
-            </a:r>
-            <a:endParaRPr lang="en-US" sz="1000"/>
-          </a:p>
-        </p:txBody>
-      </p:sp>
-      <p:sp>
-        <p:nvSpPr>
-          <p:cNvPr id="386" name="TextBox 385"/>
+              <a:t>57</a:t>
+            </a:r>
+            <a:endParaRPr lang="en-US" sz="1000" dirty="0"/>
+          </a:p>
+        </p:txBody>
+      </p:sp>
+      <p:sp>
+        <p:nvSpPr>
+          <p:cNvPr id="394" name="TextBox 393"/>
           <p:cNvSpPr txBox="1"/>
           <p:nvPr/>
         </p:nvSpPr>
         <p:spPr>
           <a:xfrm>
-            <a:off x="2231864" y="3268525"/>
-            <a:ext cx="223779" cy="153888"/>
+            <a:off x="6558170" y="985318"/>
+            <a:ext cx="223779" cy="307777"/>
           </a:xfrm>
           <a:prstGeom prst="rect">
             <a:avLst/>
@@ -17376,13 +17399,13 @@
         </p:spPr>
         <p:style>
           <a:lnRef idx="1">
-            <a:schemeClr val="accent3"/>
-          </a:lnRef>
-          <a:fillRef idx="2">
-            <a:schemeClr val="accent3"/>
-          </a:fillRef>
-          <a:effectRef idx="1">
-            <a:schemeClr val="accent3"/>
+            <a:schemeClr val="accent5"/>
+          </a:lnRef>
+          <a:fillRef idx="2">
+            <a:schemeClr val="accent5"/>
+          </a:fillRef>
+          <a:effectRef idx="1">
+            <a:schemeClr val="accent5"/>
           </a:effectRef>
           <a:fontRef idx="minor">
             <a:schemeClr val="dk1"/>
@@ -17396,7 +17419,14 @@
           <a:p>
             <a:r>
               <a:rPr lang="en-US" sz="1000" smtClean="0"/>
-              <a:t>93</a:t>
+              <a:t>97</a:t>
+            </a:r>
+            <a:endParaRPr lang="en-US" sz="1000" smtClean="0"/>
+          </a:p>
+          <a:p>
+            <a:r>
+              <a:rPr lang="en-US" sz="1000" smtClean="0"/>
+              <a:t>98</a:t>
             </a:r>
             <a:endParaRPr lang="en-US" sz="1000"/>
           </a:p>
@@ -17404,13 +17434,13 @@
       </p:sp>
       <p:sp>
         <p:nvSpPr>
-          <p:cNvPr id="387" name="TextBox 386"/>
+          <p:cNvPr id="395" name="TextBox 394"/>
           <p:cNvSpPr txBox="1"/>
           <p:nvPr/>
         </p:nvSpPr>
         <p:spPr>
           <a:xfrm>
-            <a:off x="1202818" y="3381436"/>
+            <a:off x="5911510" y="865025"/>
             <a:ext cx="223779" cy="153888"/>
           </a:xfrm>
           <a:prstGeom prst="rect">
@@ -17420,13 +17450,13 @@
         </p:spPr>
         <p:style>
           <a:lnRef idx="1">
-            <a:schemeClr val="accent3"/>
-          </a:lnRef>
-          <a:fillRef idx="2">
-            <a:schemeClr val="accent3"/>
-          </a:fillRef>
-          <a:effectRef idx="1">
-            <a:schemeClr val="accent3"/>
+            <a:schemeClr val="accent5"/>
+          </a:lnRef>
+          <a:fillRef idx="2">
+            <a:schemeClr val="accent5"/>
+          </a:fillRef>
+          <a:effectRef idx="1">
+            <a:schemeClr val="accent5"/>
           </a:effectRef>
           <a:fontRef idx="minor">
             <a:schemeClr val="dk1"/>
@@ -17440,7 +17470,7 @@
           <a:p>
             <a:r>
               <a:rPr lang="en-US" sz="1000" smtClean="0"/>
-              <a:t>91</a:t>
+              <a:t>51</a:t>
             </a:r>
             <a:endParaRPr lang="en-US" sz="1000"/>
           </a:p>
@@ -17448,14 +17478,14 @@
       </p:sp>
       <p:sp>
         <p:nvSpPr>
-          <p:cNvPr id="390" name="TextBox 389"/>
+          <p:cNvPr id="396" name="TextBox 395"/>
           <p:cNvSpPr txBox="1"/>
           <p:nvPr/>
         </p:nvSpPr>
         <p:spPr>
           <a:xfrm>
-            <a:off x="7775066" y="951347"/>
-            <a:ext cx="223779" cy="153888"/>
+            <a:off x="6323132" y="692105"/>
+            <a:ext cx="223779" cy="307777"/>
           </a:xfrm>
           <a:prstGeom prst="rect">
             <a:avLst/>
@@ -17464,13 +17494,13 @@
         </p:spPr>
         <p:style>
           <a:lnRef idx="1">
-            <a:schemeClr val="accent3"/>
-          </a:lnRef>
-          <a:fillRef idx="2">
-            <a:schemeClr val="accent3"/>
-          </a:fillRef>
-          <a:effectRef idx="1">
-            <a:schemeClr val="accent3"/>
+            <a:schemeClr val="accent5"/>
+          </a:lnRef>
+          <a:fillRef idx="2">
+            <a:schemeClr val="accent5"/>
+          </a:fillRef>
+          <a:effectRef idx="1">
+            <a:schemeClr val="accent5"/>
           </a:effectRef>
           <a:fontRef idx="minor">
             <a:schemeClr val="dk1"/>
@@ -17483,22 +17513,28 @@
           <a:lstStyle/>
           <a:p>
             <a:r>
-              <a:rPr lang="en-US" sz="1000" dirty="0" smtClean="0"/>
-              <a:t>42</a:t>
-            </a:r>
-            <a:endParaRPr lang="en-US" sz="1000" dirty="0"/>
-          </a:p>
-        </p:txBody>
-      </p:sp>
-      <p:sp>
-        <p:nvSpPr>
-          <p:cNvPr id="391" name="TextBox 390"/>
+              <a:rPr lang="en-US" sz="1000" smtClean="0"/>
+              <a:t>55</a:t>
+            </a:r>
+          </a:p>
+          <a:p>
+            <a:r>
+              <a:rPr lang="en-US" sz="1000" smtClean="0"/>
+              <a:t>56</a:t>
+            </a:r>
+            <a:endParaRPr lang="en-US" sz="1000"/>
+          </a:p>
+        </p:txBody>
+      </p:sp>
+      <p:sp>
+        <p:nvSpPr>
+          <p:cNvPr id="397" name="TextBox 396"/>
           <p:cNvSpPr txBox="1"/>
           <p:nvPr/>
         </p:nvSpPr>
         <p:spPr>
           <a:xfrm>
-            <a:off x="7098154" y="573456"/>
+            <a:off x="5136818" y="550025"/>
             <a:ext cx="223779" cy="153888"/>
           </a:xfrm>
           <a:prstGeom prst="rect">
@@ -17508,13 +17544,13 @@
         </p:spPr>
         <p:style>
           <a:lnRef idx="1">
-            <a:schemeClr val="accent3"/>
-          </a:lnRef>
-          <a:fillRef idx="2">
-            <a:schemeClr val="accent3"/>
-          </a:fillRef>
-          <a:effectRef idx="1">
-            <a:schemeClr val="accent3"/>
+            <a:schemeClr val="accent5"/>
+          </a:lnRef>
+          <a:fillRef idx="2">
+            <a:schemeClr val="accent5"/>
+          </a:fillRef>
+          <a:effectRef idx="1">
+            <a:schemeClr val="accent5"/>
           </a:effectRef>
           <a:fontRef idx="minor">
             <a:schemeClr val="dk1"/>
@@ -17528,7 +17564,7 @@
           <a:p>
             <a:r>
               <a:rPr lang="en-US" sz="1000" smtClean="0"/>
-              <a:t>41</a:t>
+              <a:t>32</a:t>
             </a:r>
             <a:endParaRPr lang="en-US" sz="1000" dirty="0"/>
           </a:p>
@@ -17536,13 +17572,13 @@
       </p:sp>
       <p:sp>
         <p:nvSpPr>
-          <p:cNvPr id="392" name="TextBox 391"/>
+          <p:cNvPr id="399" name="TextBox 398"/>
           <p:cNvSpPr txBox="1"/>
           <p:nvPr/>
         </p:nvSpPr>
         <p:spPr>
           <a:xfrm>
-            <a:off x="6890492" y="750807"/>
+            <a:off x="6506689" y="2547033"/>
             <a:ext cx="223779" cy="153888"/>
           </a:xfrm>
           <a:prstGeom prst="rect">
@@ -17552,13 +17588,13 @@
         </p:spPr>
         <p:style>
           <a:lnRef idx="1">
-            <a:schemeClr val="accent3"/>
-          </a:lnRef>
-          <a:fillRef idx="2">
-            <a:schemeClr val="accent3"/>
-          </a:fillRef>
-          <a:effectRef idx="1">
-            <a:schemeClr val="accent3"/>
+            <a:schemeClr val="accent5"/>
+          </a:lnRef>
+          <a:fillRef idx="2">
+            <a:schemeClr val="accent5"/>
+          </a:fillRef>
+          <a:effectRef idx="1">
+            <a:schemeClr val="accent5"/>
           </a:effectRef>
           <a:fontRef idx="minor">
             <a:schemeClr val="dk1"/>
@@ -17571,23 +17607,23 @@
           <a:lstStyle/>
           <a:p>
             <a:r>
-              <a:rPr lang="en-US" sz="1000" dirty="0" smtClean="0"/>
-              <a:t>54</a:t>
-            </a:r>
-            <a:endParaRPr lang="en-US" sz="1000" dirty="0"/>
-          </a:p>
-        </p:txBody>
-      </p:sp>
-      <p:sp>
-        <p:nvSpPr>
-          <p:cNvPr id="393" name="TextBox 392"/>
+              <a:rPr lang="en-US" sz="1000" smtClean="0"/>
+              <a:t>11</a:t>
+            </a:r>
+            <a:endParaRPr lang="en-US" sz="1000"/>
+          </a:p>
+        </p:txBody>
+      </p:sp>
+      <p:sp>
+        <p:nvSpPr>
+          <p:cNvPr id="400" name="TextBox 399"/>
           <p:cNvSpPr txBox="1"/>
           <p:nvPr/>
         </p:nvSpPr>
         <p:spPr>
           <a:xfrm>
-            <a:off x="6457428" y="1157382"/>
-            <a:ext cx="223779" cy="153888"/>
+            <a:off x="5791821" y="2048753"/>
+            <a:ext cx="223779" cy="307777"/>
           </a:xfrm>
           <a:prstGeom prst="rect">
             <a:avLst/>
@@ -17596,13 +17632,13 @@
         </p:spPr>
         <p:style>
           <a:lnRef idx="1">
-            <a:schemeClr val="accent3"/>
-          </a:lnRef>
-          <a:fillRef idx="2">
-            <a:schemeClr val="accent3"/>
-          </a:fillRef>
-          <a:effectRef idx="1">
-            <a:schemeClr val="accent3"/>
+            <a:schemeClr val="accent5"/>
+          </a:lnRef>
+          <a:fillRef idx="2">
+            <a:schemeClr val="accent5"/>
+          </a:fillRef>
+          <a:effectRef idx="1">
+            <a:schemeClr val="accent5"/>
           </a:effectRef>
           <a:fontRef idx="minor">
             <a:schemeClr val="dk1"/>
@@ -17616,7 +17652,14 @@
           <a:p>
             <a:r>
               <a:rPr lang="en-US" sz="1000" smtClean="0"/>
-              <a:t>53</a:t>
+              <a:t>13</a:t>
+            </a:r>
+            <a:endParaRPr lang="en-US" sz="1000" smtClean="0"/>
+          </a:p>
+          <a:p>
+            <a:r>
+              <a:rPr lang="en-US" sz="1000" smtClean="0"/>
+              <a:t>12</a:t>
             </a:r>
             <a:endParaRPr lang="en-US" sz="1000"/>
           </a:p>
@@ -17624,13 +17667,13 @@
       </p:sp>
       <p:sp>
         <p:nvSpPr>
-          <p:cNvPr id="394" name="TextBox 393"/>
+          <p:cNvPr id="401" name="TextBox 400"/>
           <p:cNvSpPr txBox="1"/>
           <p:nvPr/>
         </p:nvSpPr>
         <p:spPr>
           <a:xfrm>
-            <a:off x="6454658" y="985318"/>
+            <a:off x="6608011" y="2070560"/>
             <a:ext cx="223779" cy="153888"/>
           </a:xfrm>
           <a:prstGeom prst="rect">
@@ -17640,13 +17683,13 @@
         </p:spPr>
         <p:style>
           <a:lnRef idx="1">
-            <a:schemeClr val="accent3"/>
-          </a:lnRef>
-          <a:fillRef idx="2">
-            <a:schemeClr val="accent3"/>
-          </a:fillRef>
-          <a:effectRef idx="1">
-            <a:schemeClr val="accent3"/>
+            <a:schemeClr val="accent5"/>
+          </a:lnRef>
+          <a:fillRef idx="2">
+            <a:schemeClr val="accent5"/>
+          </a:fillRef>
+          <a:effectRef idx="1">
+            <a:schemeClr val="accent5"/>
           </a:effectRef>
           <a:fontRef idx="minor">
             <a:schemeClr val="dk1"/>
@@ -17660,7 +17703,7 @@
           <a:p>
             <a:r>
               <a:rPr lang="en-US" sz="1000" smtClean="0"/>
-              <a:t>52</a:t>
+              <a:t>72</a:t>
             </a:r>
             <a:endParaRPr lang="en-US" sz="1000"/>
           </a:p>
@@ -17668,14 +17711,14 @@
       </p:sp>
       <p:sp>
         <p:nvSpPr>
-          <p:cNvPr id="395" name="TextBox 394"/>
+          <p:cNvPr id="402" name="TextBox 401"/>
           <p:cNvSpPr txBox="1"/>
           <p:nvPr/>
         </p:nvSpPr>
         <p:spPr>
           <a:xfrm>
-            <a:off x="5911510" y="865025"/>
-            <a:ext cx="223779" cy="153888"/>
+            <a:off x="5627913" y="1255453"/>
+            <a:ext cx="289503" cy="153888"/>
           </a:xfrm>
           <a:prstGeom prst="rect">
             <a:avLst/>
@@ -17684,13 +17727,13 @@
         </p:spPr>
         <p:style>
           <a:lnRef idx="1">
-            <a:schemeClr val="accent3"/>
-          </a:lnRef>
-          <a:fillRef idx="2">
-            <a:schemeClr val="accent3"/>
-          </a:fillRef>
-          <a:effectRef idx="1">
-            <a:schemeClr val="accent3"/>
+            <a:schemeClr val="accent5"/>
+          </a:lnRef>
+          <a:fillRef idx="2">
+            <a:schemeClr val="accent5"/>
+          </a:fillRef>
+          <a:effectRef idx="1">
+            <a:schemeClr val="accent5"/>
           </a:effectRef>
           <a:fontRef idx="minor">
             <a:schemeClr val="dk1"/>
@@ -17704,7 +17747,7 @@
           <a:p>
             <a:r>
               <a:rPr lang="en-US" sz="1000" smtClean="0"/>
-              <a:t>51</a:t>
+              <a:t>101</a:t>
             </a:r>
             <a:endParaRPr lang="en-US" sz="1000"/>
           </a:p>
@@ -17712,14 +17755,14 @@
       </p:sp>
       <p:sp>
         <p:nvSpPr>
-          <p:cNvPr id="396" name="TextBox 395"/>
+          <p:cNvPr id="403" name="TextBox 402"/>
           <p:cNvSpPr txBox="1"/>
           <p:nvPr/>
         </p:nvSpPr>
         <p:spPr>
           <a:xfrm>
-            <a:off x="6323132" y="743861"/>
-            <a:ext cx="223779" cy="153888"/>
+            <a:off x="4808800" y="1303965"/>
+            <a:ext cx="223779" cy="307777"/>
           </a:xfrm>
           <a:prstGeom prst="rect">
             <a:avLst/>
@@ -17728,13 +17771,13 @@
         </p:spPr>
         <p:style>
           <a:lnRef idx="1">
-            <a:schemeClr val="accent3"/>
-          </a:lnRef>
-          <a:fillRef idx="2">
-            <a:schemeClr val="accent3"/>
-          </a:fillRef>
-          <a:effectRef idx="1">
-            <a:schemeClr val="accent3"/>
+            <a:schemeClr val="accent5"/>
+          </a:lnRef>
+          <a:fillRef idx="2">
+            <a:schemeClr val="accent5"/>
+          </a:fillRef>
+          <a:effectRef idx="1">
+            <a:schemeClr val="accent5"/>
           </a:effectRef>
           <a:fontRef idx="minor">
             <a:schemeClr val="dk1"/>
@@ -17748,7 +17791,14 @@
           <a:p>
             <a:r>
               <a:rPr lang="en-US" sz="1000" smtClean="0"/>
-              <a:t>50</a:t>
+              <a:t>76</a:t>
+            </a:r>
+            <a:endParaRPr lang="en-US" sz="1000" smtClean="0"/>
+          </a:p>
+          <a:p>
+            <a:r>
+              <a:rPr lang="en-US" sz="1000" smtClean="0"/>
+              <a:t>75</a:t>
             </a:r>
             <a:endParaRPr lang="en-US" sz="1000"/>
           </a:p>
@@ -17756,13 +17806,13 @@
       </p:sp>
       <p:sp>
         <p:nvSpPr>
-          <p:cNvPr id="397" name="TextBox 396"/>
+          <p:cNvPr id="404" name="TextBox 403"/>
           <p:cNvSpPr txBox="1"/>
           <p:nvPr/>
         </p:nvSpPr>
         <p:spPr>
           <a:xfrm>
-            <a:off x="5740638" y="584529"/>
+            <a:off x="7698524" y="1966647"/>
             <a:ext cx="223779" cy="153888"/>
           </a:xfrm>
           <a:prstGeom prst="rect">
@@ -17772,13 +17822,13 @@
         </p:spPr>
         <p:style>
           <a:lnRef idx="1">
-            <a:schemeClr val="accent3"/>
-          </a:lnRef>
-          <a:fillRef idx="2">
-            <a:schemeClr val="accent3"/>
-          </a:fillRef>
-          <a:effectRef idx="1">
-            <a:schemeClr val="accent3"/>
+            <a:schemeClr val="accent5"/>
+          </a:lnRef>
+          <a:fillRef idx="2">
+            <a:schemeClr val="accent5"/>
+          </a:fillRef>
+          <a:effectRef idx="1">
+            <a:schemeClr val="accent5"/>
           </a:effectRef>
           <a:fontRef idx="minor">
             <a:schemeClr val="dk1"/>
@@ -17791,8 +17841,8 @@
           <a:lstStyle/>
           <a:p>
             <a:r>
-              <a:rPr lang="en-US" sz="1000" dirty="0" smtClean="0"/>
-              <a:t>49</a:t>
+              <a:rPr lang="en-US" sz="1000" smtClean="0"/>
+              <a:t>73</a:t>
             </a:r>
             <a:endParaRPr lang="en-US" sz="1000" dirty="0"/>
           </a:p>
@@ -17800,13 +17850,13 @@
       </p:sp>
       <p:sp>
         <p:nvSpPr>
-          <p:cNvPr id="399" name="TextBox 398"/>
+          <p:cNvPr id="405" name="TextBox 404"/>
           <p:cNvSpPr txBox="1"/>
           <p:nvPr/>
         </p:nvSpPr>
         <p:spPr>
           <a:xfrm>
-            <a:off x="6506689" y="2547033"/>
+            <a:off x="7270092" y="3706728"/>
             <a:ext cx="223779" cy="153888"/>
           </a:xfrm>
           <a:prstGeom prst="rect">
@@ -17816,13 +17866,13 @@
         </p:spPr>
         <p:style>
           <a:lnRef idx="1">
-            <a:schemeClr val="accent3"/>
-          </a:lnRef>
-          <a:fillRef idx="2">
-            <a:schemeClr val="accent3"/>
-          </a:fillRef>
-          <a:effectRef idx="1">
-            <a:schemeClr val="accent3"/>
+            <a:schemeClr val="accent5"/>
+          </a:lnRef>
+          <a:fillRef idx="2">
+            <a:schemeClr val="accent5"/>
+          </a:fillRef>
+          <a:effectRef idx="1">
+            <a:schemeClr val="accent5"/>
           </a:effectRef>
           <a:fontRef idx="minor">
             <a:schemeClr val="dk1"/>
@@ -17836,22 +17886,22 @@
           <a:p>
             <a:r>
               <a:rPr lang="en-US" sz="1000" smtClean="0"/>
-              <a:t>35</a:t>
-            </a:r>
-            <a:endParaRPr lang="en-US" sz="1000"/>
-          </a:p>
-        </p:txBody>
-      </p:sp>
-      <p:sp>
-        <p:nvSpPr>
-          <p:cNvPr id="400" name="TextBox 399"/>
+              <a:t>67</a:t>
+            </a:r>
+            <a:endParaRPr lang="en-US" sz="1000" dirty="0"/>
+          </a:p>
+        </p:txBody>
+      </p:sp>
+      <p:sp>
+        <p:nvSpPr>
+          <p:cNvPr id="406" name="TextBox 405"/>
           <p:cNvSpPr txBox="1"/>
           <p:nvPr/>
         </p:nvSpPr>
         <p:spPr>
           <a:xfrm>
-            <a:off x="5791821" y="2074631"/>
-            <a:ext cx="223779" cy="153888"/>
+            <a:off x="7953723" y="3626966"/>
+            <a:ext cx="404919" cy="153888"/>
           </a:xfrm>
           <a:prstGeom prst="rect">
             <a:avLst/>
@@ -17860,13 +17910,13 @@
         </p:spPr>
         <p:style>
           <a:lnRef idx="1">
-            <a:schemeClr val="accent3"/>
-          </a:lnRef>
-          <a:fillRef idx="2">
-            <a:schemeClr val="accent3"/>
-          </a:fillRef>
-          <a:effectRef idx="1">
-            <a:schemeClr val="accent3"/>
+            <a:schemeClr val="accent5"/>
+          </a:lnRef>
+          <a:fillRef idx="2">
+            <a:schemeClr val="accent5"/>
+          </a:fillRef>
+          <a:effectRef idx="1">
+            <a:schemeClr val="accent5"/>
           </a:effectRef>
           <a:fontRef idx="minor">
             <a:schemeClr val="dk1"/>
@@ -17880,7 +17930,11 @@
           <a:p>
             <a:r>
               <a:rPr lang="en-US" sz="1000" smtClean="0"/>
-              <a:t>62</a:t>
+              <a:t>61</a:t>
+            </a:r>
+            <a:r>
+              <a:rPr lang="en-US" sz="1000" smtClean="0"/>
+              <a:t>/60</a:t>
             </a:r>
             <a:endParaRPr lang="en-US" sz="1000"/>
           </a:p>
@@ -17888,13 +17942,13 @@
       </p:sp>
       <p:sp>
         <p:nvSpPr>
-          <p:cNvPr id="401" name="TextBox 400"/>
+          <p:cNvPr id="408" name="TextBox 407"/>
           <p:cNvSpPr txBox="1"/>
           <p:nvPr/>
         </p:nvSpPr>
         <p:spPr>
           <a:xfrm>
-            <a:off x="6608011" y="2070560"/>
+            <a:off x="8451981" y="3653736"/>
             <a:ext cx="223779" cy="153888"/>
           </a:xfrm>
           <a:prstGeom prst="rect">
@@ -17904,13 +17958,13 @@
         </p:spPr>
         <p:style>
           <a:lnRef idx="1">
-            <a:schemeClr val="accent3"/>
-          </a:lnRef>
-          <a:fillRef idx="2">
-            <a:schemeClr val="accent3"/>
-          </a:fillRef>
-          <a:effectRef idx="1">
-            <a:schemeClr val="accent3"/>
+            <a:schemeClr val="accent5"/>
+          </a:lnRef>
+          <a:fillRef idx="2">
+            <a:schemeClr val="accent5"/>
+          </a:fillRef>
+          <a:effectRef idx="1">
+            <a:schemeClr val="accent5"/>
           </a:effectRef>
           <a:fontRef idx="minor">
             <a:schemeClr val="dk1"/>
@@ -17924,7 +17978,7 @@
           <a:p>
             <a:r>
               <a:rPr lang="en-US" sz="1000" smtClean="0"/>
-              <a:t>61</a:t>
+              <a:t>38</a:t>
             </a:r>
             <a:endParaRPr lang="en-US" sz="1000"/>
           </a:p>
@@ -17932,14 +17986,14 @@
       </p:sp>
       <p:sp>
         <p:nvSpPr>
-          <p:cNvPr id="402" name="TextBox 401"/>
+          <p:cNvPr id="409" name="TextBox 408"/>
           <p:cNvSpPr txBox="1"/>
           <p:nvPr/>
         </p:nvSpPr>
         <p:spPr>
           <a:xfrm>
-            <a:off x="5541653" y="1643623"/>
-            <a:ext cx="223779" cy="153888"/>
+            <a:off x="8039033" y="2764960"/>
+            <a:ext cx="289503" cy="153888"/>
           </a:xfrm>
           <a:prstGeom prst="rect">
             <a:avLst/>
@@ -17948,13 +18002,13 @@
         </p:spPr>
         <p:style>
           <a:lnRef idx="1">
-            <a:schemeClr val="accent3"/>
-          </a:lnRef>
-          <a:fillRef idx="2">
-            <a:schemeClr val="accent3"/>
-          </a:fillRef>
-          <a:effectRef idx="1">
-            <a:schemeClr val="accent3"/>
+            <a:schemeClr val="accent5"/>
+          </a:lnRef>
+          <a:fillRef idx="2">
+            <a:schemeClr val="accent5"/>
+          </a:fillRef>
+          <a:effectRef idx="1">
+            <a:schemeClr val="accent5"/>
           </a:effectRef>
           <a:fontRef idx="minor">
             <a:schemeClr val="dk1"/>
@@ -17968,7 +18022,7 @@
           <a:p>
             <a:r>
               <a:rPr lang="en-US" sz="1000" smtClean="0"/>
-              <a:t>58</a:t>
+              <a:t>100</a:t>
             </a:r>
             <a:endParaRPr lang="en-US" sz="1000"/>
           </a:p>
@@ -17976,13 +18030,13 @@
       </p:sp>
       <p:sp>
         <p:nvSpPr>
-          <p:cNvPr id="403" name="TextBox 402"/>
+          <p:cNvPr id="411" name="TextBox 410"/>
           <p:cNvSpPr txBox="1"/>
           <p:nvPr/>
         </p:nvSpPr>
         <p:spPr>
           <a:xfrm>
-            <a:off x="5188361" y="1329846"/>
+            <a:off x="8430190" y="1577692"/>
             <a:ext cx="223779" cy="153888"/>
           </a:xfrm>
           <a:prstGeom prst="rect">
@@ -17992,13 +18046,13 @@
         </p:spPr>
         <p:style>
           <a:lnRef idx="1">
-            <a:schemeClr val="accent3"/>
-          </a:lnRef>
-          <a:fillRef idx="2">
-            <a:schemeClr val="accent3"/>
-          </a:fillRef>
-          <a:effectRef idx="1">
-            <a:schemeClr val="accent3"/>
+            <a:schemeClr val="accent5"/>
+          </a:lnRef>
+          <a:fillRef idx="2">
+            <a:schemeClr val="accent5"/>
+          </a:fillRef>
+          <a:effectRef idx="1">
+            <a:schemeClr val="accent5"/>
           </a:effectRef>
           <a:fontRef idx="minor">
             <a:schemeClr val="dk1"/>
@@ -18012,7 +18066,51 @@
           <a:p>
             <a:r>
               <a:rPr lang="en-US" sz="1000" smtClean="0"/>
-              <a:t>57</a:t>
+              <a:t>34</a:t>
+            </a:r>
+            <a:endParaRPr lang="en-US" sz="1000" dirty="0"/>
+          </a:p>
+        </p:txBody>
+      </p:sp>
+      <p:sp>
+        <p:nvSpPr>
+          <p:cNvPr id="412" name="TextBox 411"/>
+          <p:cNvSpPr txBox="1"/>
+          <p:nvPr/>
+        </p:nvSpPr>
+        <p:spPr>
+          <a:xfrm>
+            <a:off x="6356009" y="1481449"/>
+            <a:ext cx="223779" cy="153888"/>
+          </a:xfrm>
+          <a:prstGeom prst="rect">
+            <a:avLst/>
+          </a:prstGeom>
+          <a:ln/>
+        </p:spPr>
+        <p:style>
+          <a:lnRef idx="1">
+            <a:schemeClr val="accent5"/>
+          </a:lnRef>
+          <a:fillRef idx="2">
+            <a:schemeClr val="accent5"/>
+          </a:fillRef>
+          <a:effectRef idx="1">
+            <a:schemeClr val="accent5"/>
+          </a:effectRef>
+          <a:fontRef idx="minor">
+            <a:schemeClr val="dk1"/>
+          </a:fontRef>
+        </p:style>
+        <p:txBody>
+          <a:bodyPr wrap="square" lIns="45720" tIns="0" rIns="45720" bIns="0" rtlCol="0">
+            <a:spAutoFit/>
+          </a:bodyPr>
+          <a:lstStyle/>
+          <a:p>
+            <a:r>
+              <a:rPr lang="en-US" sz="1000" smtClean="0"/>
+              <a:t>74</a:t>
             </a:r>
             <a:endParaRPr lang="en-US" sz="1000"/>
           </a:p>
@@ -18020,13 +18118,13 @@
       </p:sp>
       <p:sp>
         <p:nvSpPr>
-          <p:cNvPr id="404" name="TextBox 403"/>
+          <p:cNvPr id="413" name="TextBox 412"/>
           <p:cNvSpPr txBox="1"/>
           <p:nvPr/>
         </p:nvSpPr>
         <p:spPr>
           <a:xfrm>
-            <a:off x="7698524" y="1966647"/>
+            <a:off x="2495432" y="1093695"/>
             <a:ext cx="223779" cy="153888"/>
           </a:xfrm>
           <a:prstGeom prst="rect">
@@ -18036,13 +18134,13 @@
         </p:spPr>
         <p:style>
           <a:lnRef idx="1">
-            <a:schemeClr val="accent3"/>
-          </a:lnRef>
-          <a:fillRef idx="2">
-            <a:schemeClr val="accent3"/>
-          </a:fillRef>
-          <a:effectRef idx="1">
-            <a:schemeClr val="accent3"/>
+            <a:schemeClr val="accent5"/>
+          </a:lnRef>
+          <a:fillRef idx="2">
+            <a:schemeClr val="accent5"/>
+          </a:fillRef>
+          <a:effectRef idx="1">
+            <a:schemeClr val="accent5"/>
           </a:effectRef>
           <a:fontRef idx="minor">
             <a:schemeClr val="dk1"/>
@@ -18055,22 +18153,26 @@
           <a:lstStyle/>
           <a:p>
             <a:r>
-              <a:rPr lang="en-US" sz="1000" dirty="0" smtClean="0"/>
-              <a:t>56</a:t>
-            </a:r>
-            <a:endParaRPr lang="en-US" sz="1000" dirty="0"/>
-          </a:p>
-        </p:txBody>
-      </p:sp>
-      <p:sp>
-        <p:nvSpPr>
-          <p:cNvPr id="405" name="TextBox 404"/>
+              <a:rPr lang="en-US" sz="1000" smtClean="0"/>
+              <a:t>9</a:t>
+            </a:r>
+            <a:r>
+              <a:rPr lang="en-US" sz="1000" smtClean="0"/>
+              <a:t>4</a:t>
+            </a:r>
+            <a:endParaRPr lang="en-US" sz="1000"/>
+          </a:p>
+        </p:txBody>
+      </p:sp>
+      <p:sp>
+        <p:nvSpPr>
+          <p:cNvPr id="414" name="TextBox 413"/>
           <p:cNvSpPr txBox="1"/>
           <p:nvPr/>
         </p:nvSpPr>
         <p:spPr>
           <a:xfrm>
-            <a:off x="7270092" y="3706728"/>
+            <a:off x="3543827" y="1876203"/>
             <a:ext cx="223779" cy="153888"/>
           </a:xfrm>
           <a:prstGeom prst="rect">
@@ -18080,13 +18182,13 @@
         </p:spPr>
         <p:style>
           <a:lnRef idx="1">
-            <a:schemeClr val="accent3"/>
-          </a:lnRef>
-          <a:fillRef idx="2">
-            <a:schemeClr val="accent3"/>
-          </a:fillRef>
-          <a:effectRef idx="1">
-            <a:schemeClr val="accent3"/>
+            <a:schemeClr val="accent5"/>
+          </a:lnRef>
+          <a:fillRef idx="2">
+            <a:schemeClr val="accent5"/>
+          </a:fillRef>
+          <a:effectRef idx="1">
+            <a:schemeClr val="accent5"/>
           </a:effectRef>
           <a:fontRef idx="minor">
             <a:schemeClr val="dk1"/>
@@ -18099,8 +18201,8 @@
           <a:lstStyle/>
           <a:p>
             <a:r>
-              <a:rPr lang="en-US" sz="1000" dirty="0" smtClean="0"/>
-              <a:t>48</a:t>
+              <a:rPr lang="en-US" sz="1000" smtClean="0"/>
+              <a:t>78</a:t>
             </a:r>
             <a:endParaRPr lang="en-US" sz="1000" dirty="0"/>
           </a:p>
@@ -18108,14 +18210,14 @@
       </p:sp>
       <p:sp>
         <p:nvSpPr>
-          <p:cNvPr id="406" name="TextBox 405"/>
+          <p:cNvPr id="415" name="TextBox 414"/>
           <p:cNvSpPr txBox="1"/>
           <p:nvPr/>
         </p:nvSpPr>
         <p:spPr>
           <a:xfrm>
-            <a:off x="8152121" y="3661470"/>
-            <a:ext cx="385683" cy="153888"/>
+            <a:off x="3182792" y="1206409"/>
+            <a:ext cx="223779" cy="153888"/>
           </a:xfrm>
           <a:prstGeom prst="rect">
             <a:avLst/>
@@ -18124,13 +18226,13 @@
         </p:spPr>
         <p:style>
           <a:lnRef idx="1">
-            <a:schemeClr val="accent3"/>
-          </a:lnRef>
-          <a:fillRef idx="2">
-            <a:schemeClr val="accent3"/>
-          </a:fillRef>
-          <a:effectRef idx="1">
-            <a:schemeClr val="accent3"/>
+            <a:schemeClr val="accent5"/>
+          </a:lnRef>
+          <a:fillRef idx="2">
+            <a:schemeClr val="accent5"/>
+          </a:fillRef>
+          <a:effectRef idx="1">
+            <a:schemeClr val="accent5"/>
           </a:effectRef>
           <a:fontRef idx="minor">
             <a:schemeClr val="dk1"/>
@@ -18143,22 +18245,26 @@
           <a:lstStyle/>
           <a:p>
             <a:r>
+              <a:rPr lang="en-US" sz="1000" dirty="0" smtClean="0"/>
+              <a:t>8</a:t>
+            </a:r>
+            <a:r>
               <a:rPr lang="en-US" sz="1000" smtClean="0"/>
-              <a:t>26/xx</a:t>
-            </a:r>
-            <a:endParaRPr lang="en-US" sz="1000"/>
-          </a:p>
-        </p:txBody>
-      </p:sp>
-      <p:sp>
-        <p:nvSpPr>
-          <p:cNvPr id="407" name="TextBox 406"/>
+              <a:t>0</a:t>
+            </a:r>
+            <a:endParaRPr lang="en-US" sz="1000" dirty="0"/>
+          </a:p>
+        </p:txBody>
+      </p:sp>
+      <p:sp>
+        <p:nvSpPr>
+          <p:cNvPr id="416" name="TextBox 415"/>
           <p:cNvSpPr txBox="1"/>
           <p:nvPr/>
         </p:nvSpPr>
         <p:spPr>
           <a:xfrm>
-            <a:off x="5140158" y="5458387"/>
+            <a:off x="3802889" y="1339334"/>
             <a:ext cx="223779" cy="153888"/>
           </a:xfrm>
           <a:prstGeom prst="rect">
@@ -18168,13 +18274,13 @@
         </p:spPr>
         <p:style>
           <a:lnRef idx="1">
-            <a:schemeClr val="accent3"/>
-          </a:lnRef>
-          <a:fillRef idx="2">
-            <a:schemeClr val="accent3"/>
-          </a:fillRef>
-          <a:effectRef idx="1">
-            <a:schemeClr val="accent3"/>
+            <a:schemeClr val="accent5"/>
+          </a:lnRef>
+          <a:fillRef idx="2">
+            <a:schemeClr val="accent5"/>
+          </a:fillRef>
+          <a:effectRef idx="1">
+            <a:schemeClr val="accent5"/>
           </a:effectRef>
           <a:fontRef idx="minor">
             <a:schemeClr val="dk1"/>
@@ -18188,7 +18294,11 @@
           <a:p>
             <a:r>
               <a:rPr lang="en-US" sz="1000" smtClean="0"/>
-              <a:t>27</a:t>
+              <a:t>7</a:t>
+            </a:r>
+            <a:r>
+              <a:rPr lang="en-US" sz="1000" smtClean="0"/>
+              <a:t>9</a:t>
             </a:r>
             <a:endParaRPr lang="en-US" sz="1000"/>
           </a:p>
@@ -18196,14 +18306,14 @@
       </p:sp>
       <p:sp>
         <p:nvSpPr>
-          <p:cNvPr id="408" name="TextBox 407"/>
+          <p:cNvPr id="418" name="TextBox 417"/>
           <p:cNvSpPr txBox="1"/>
           <p:nvPr/>
         </p:nvSpPr>
         <p:spPr>
           <a:xfrm>
-            <a:off x="8434729" y="3205165"/>
-            <a:ext cx="223779" cy="153888"/>
+            <a:off x="4096442" y="2551433"/>
+            <a:ext cx="289503" cy="153888"/>
           </a:xfrm>
           <a:prstGeom prst="rect">
             <a:avLst/>
@@ -18212,13 +18322,13 @@
         </p:spPr>
         <p:style>
           <a:lnRef idx="1">
-            <a:schemeClr val="accent3"/>
-          </a:lnRef>
-          <a:fillRef idx="2">
-            <a:schemeClr val="accent3"/>
-          </a:fillRef>
-          <a:effectRef idx="1">
-            <a:schemeClr val="accent3"/>
+            <a:schemeClr val="accent5"/>
+          </a:lnRef>
+          <a:fillRef idx="2">
+            <a:schemeClr val="accent5"/>
+          </a:fillRef>
+          <a:effectRef idx="1">
+            <a:schemeClr val="accent5"/>
           </a:effectRef>
           <a:fontRef idx="minor">
             <a:schemeClr val="dk1"/>
@@ -18232,7 +18342,7 @@
           <a:p>
             <a:r>
               <a:rPr lang="en-US" sz="1000" smtClean="0"/>
-              <a:t>25</a:t>
+              <a:t>104</a:t>
             </a:r>
             <a:endParaRPr lang="en-US" sz="1000"/>
           </a:p>
@@ -18240,14 +18350,14 @@
       </p:sp>
       <p:sp>
         <p:nvSpPr>
-          <p:cNvPr id="409" name="TextBox 408"/>
+          <p:cNvPr id="420" name="TextBox 419"/>
           <p:cNvSpPr txBox="1"/>
           <p:nvPr/>
         </p:nvSpPr>
         <p:spPr>
           <a:xfrm>
-            <a:off x="8039033" y="2877098"/>
-            <a:ext cx="223779" cy="153888"/>
+            <a:off x="4220466" y="4761609"/>
+            <a:ext cx="158057" cy="153888"/>
           </a:xfrm>
           <a:prstGeom prst="rect">
             <a:avLst/>
@@ -18256,13 +18366,13 @@
         </p:spPr>
         <p:style>
           <a:lnRef idx="1">
-            <a:schemeClr val="accent3"/>
-          </a:lnRef>
-          <a:fillRef idx="2">
-            <a:schemeClr val="accent3"/>
-          </a:fillRef>
-          <a:effectRef idx="1">
-            <a:schemeClr val="accent3"/>
+            <a:schemeClr val="accent5"/>
+          </a:lnRef>
+          <a:fillRef idx="2">
+            <a:schemeClr val="accent5"/>
+          </a:fillRef>
+          <a:effectRef idx="1">
+            <a:schemeClr val="accent5"/>
           </a:effectRef>
           <a:fontRef idx="minor">
             <a:schemeClr val="dk1"/>
@@ -18276,7 +18386,7 @@
           <a:p>
             <a:r>
               <a:rPr lang="en-US" sz="1000" smtClean="0"/>
-              <a:t>47</a:t>
+              <a:t>7</a:t>
             </a:r>
             <a:endParaRPr lang="en-US" sz="1000"/>
           </a:p>
@@ -18284,14 +18394,14 @@
       </p:sp>
       <p:sp>
         <p:nvSpPr>
-          <p:cNvPr id="411" name="TextBox 410"/>
+          <p:cNvPr id="421" name="TextBox 420"/>
           <p:cNvSpPr txBox="1"/>
           <p:nvPr/>
         </p:nvSpPr>
         <p:spPr>
           <a:xfrm>
-            <a:off x="8430190" y="1577692"/>
-            <a:ext cx="223779" cy="153888"/>
+            <a:off x="4220466" y="4574805"/>
+            <a:ext cx="158057" cy="153888"/>
           </a:xfrm>
           <a:prstGeom prst="rect">
             <a:avLst/>
@@ -18300,13 +18410,13 @@
         </p:spPr>
         <p:style>
           <a:lnRef idx="1">
-            <a:schemeClr val="accent3"/>
-          </a:lnRef>
-          <a:fillRef idx="2">
-            <a:schemeClr val="accent3"/>
-          </a:fillRef>
-          <a:effectRef idx="1">
-            <a:schemeClr val="accent3"/>
+            <a:schemeClr val="accent5"/>
+          </a:lnRef>
+          <a:fillRef idx="2">
+            <a:schemeClr val="accent5"/>
+          </a:fillRef>
+          <a:effectRef idx="1">
+            <a:schemeClr val="accent5"/>
           </a:effectRef>
           <a:fontRef idx="minor">
             <a:schemeClr val="dk1"/>
@@ -18319,23 +18429,23 @@
           <a:lstStyle/>
           <a:p>
             <a:r>
-              <a:rPr lang="en-US" sz="1000" dirty="0" smtClean="0"/>
-              <a:t>44</a:t>
-            </a:r>
-            <a:endParaRPr lang="en-US" sz="1000" dirty="0"/>
-          </a:p>
-        </p:txBody>
-      </p:sp>
-      <p:sp>
-        <p:nvSpPr>
-          <p:cNvPr id="412" name="TextBox 411"/>
+              <a:rPr lang="en-US" sz="1000" smtClean="0"/>
+              <a:t>5</a:t>
+            </a:r>
+            <a:endParaRPr lang="en-US" sz="1000"/>
+          </a:p>
+        </p:txBody>
+      </p:sp>
+      <p:sp>
+        <p:nvSpPr>
+          <p:cNvPr id="422" name="TextBox 421"/>
           <p:cNvSpPr txBox="1"/>
           <p:nvPr/>
         </p:nvSpPr>
         <p:spPr>
           <a:xfrm>
-            <a:off x="4251165" y="2223321"/>
-            <a:ext cx="223779" cy="153888"/>
+            <a:off x="4220466" y="4322069"/>
+            <a:ext cx="158057" cy="153888"/>
           </a:xfrm>
           <a:prstGeom prst="rect">
             <a:avLst/>
@@ -18344,13 +18454,13 @@
         </p:spPr>
         <p:style>
           <a:lnRef idx="1">
-            <a:schemeClr val="accent3"/>
-          </a:lnRef>
-          <a:fillRef idx="2">
-            <a:schemeClr val="accent3"/>
-          </a:fillRef>
-          <a:effectRef idx="1">
-            <a:schemeClr val="accent3"/>
+            <a:schemeClr val="accent5"/>
+          </a:lnRef>
+          <a:fillRef idx="2">
+            <a:schemeClr val="accent5"/>
+          </a:fillRef>
+          <a:effectRef idx="1">
+            <a:schemeClr val="accent5"/>
           </a:effectRef>
           <a:fontRef idx="minor">
             <a:schemeClr val="dk1"/>
@@ -18364,7 +18474,7 @@
           <a:p>
             <a:r>
               <a:rPr lang="en-US" sz="1000" smtClean="0"/>
-              <a:t>77</a:t>
+              <a:t>3</a:t>
             </a:r>
             <a:endParaRPr lang="en-US" sz="1000"/>
           </a:p>
@@ -18372,14 +18482,14 @@
       </p:sp>
       <p:sp>
         <p:nvSpPr>
-          <p:cNvPr id="413" name="TextBox 412"/>
+          <p:cNvPr id="423" name="TextBox 422"/>
           <p:cNvSpPr txBox="1"/>
           <p:nvPr/>
         </p:nvSpPr>
         <p:spPr>
           <a:xfrm>
-            <a:off x="3918790" y="5596684"/>
-            <a:ext cx="223779" cy="153888"/>
+            <a:off x="4220466" y="4077575"/>
+            <a:ext cx="158057" cy="153888"/>
           </a:xfrm>
           <a:prstGeom prst="rect">
             <a:avLst/>
@@ -18388,13 +18498,13 @@
         </p:spPr>
         <p:style>
           <a:lnRef idx="1">
-            <a:schemeClr val="accent3"/>
-          </a:lnRef>
-          <a:fillRef idx="2">
-            <a:schemeClr val="accent3"/>
-          </a:fillRef>
-          <a:effectRef idx="1">
-            <a:schemeClr val="accent3"/>
+            <a:schemeClr val="accent5"/>
+          </a:lnRef>
+          <a:fillRef idx="2">
+            <a:schemeClr val="accent5"/>
+          </a:fillRef>
+          <a:effectRef idx="1">
+            <a:schemeClr val="accent5"/>
           </a:effectRef>
           <a:fontRef idx="minor">
             <a:schemeClr val="dk1"/>
@@ -18408,7 +18518,7 @@
           <a:p>
             <a:r>
               <a:rPr lang="en-US" sz="1000" smtClean="0"/>
-              <a:t>74</a:t>
+              <a:t>1</a:t>
             </a:r>
             <a:endParaRPr lang="en-US" sz="1000"/>
           </a:p>
@@ -18416,13 +18526,13 @@
       </p:sp>
       <p:sp>
         <p:nvSpPr>
-          <p:cNvPr id="414" name="TextBox 413"/>
+          <p:cNvPr id="424" name="TextBox 423"/>
           <p:cNvSpPr txBox="1"/>
           <p:nvPr/>
         </p:nvSpPr>
         <p:spPr>
           <a:xfrm>
-            <a:off x="3681850" y="1712301"/>
+            <a:off x="1690741" y="3836068"/>
             <a:ext cx="223779" cy="153888"/>
           </a:xfrm>
           <a:prstGeom prst="rect">
@@ -18432,13 +18542,13 @@
         </p:spPr>
         <p:style>
           <a:lnRef idx="1">
-            <a:schemeClr val="accent3"/>
-          </a:lnRef>
-          <a:fillRef idx="2">
-            <a:schemeClr val="accent3"/>
-          </a:fillRef>
-          <a:effectRef idx="1">
-            <a:schemeClr val="accent3"/>
+            <a:schemeClr val="accent5"/>
+          </a:lnRef>
+          <a:fillRef idx="2">
+            <a:schemeClr val="accent5"/>
+          </a:fillRef>
+          <a:effectRef idx="1">
+            <a:schemeClr val="accent5"/>
           </a:effectRef>
           <a:fontRef idx="minor">
             <a:schemeClr val="dk1"/>
@@ -18451,23 +18561,23 @@
           <a:lstStyle/>
           <a:p>
             <a:r>
-              <a:rPr lang="en-US" sz="1000" dirty="0" smtClean="0"/>
-              <a:t>75</a:t>
-            </a:r>
-            <a:endParaRPr lang="en-US" sz="1000" dirty="0"/>
-          </a:p>
-        </p:txBody>
-      </p:sp>
-      <p:sp>
-        <p:nvSpPr>
-          <p:cNvPr id="415" name="TextBox 414"/>
+              <a:rPr lang="en-US" sz="1000" smtClean="0"/>
+              <a:t>89</a:t>
+            </a:r>
+            <a:endParaRPr lang="en-US" sz="1000"/>
+          </a:p>
+        </p:txBody>
+      </p:sp>
+      <p:sp>
+        <p:nvSpPr>
+          <p:cNvPr id="425" name="TextBox 424"/>
           <p:cNvSpPr txBox="1"/>
           <p:nvPr/>
         </p:nvSpPr>
         <p:spPr>
           <a:xfrm>
-            <a:off x="4131698" y="1430696"/>
-            <a:ext cx="223779" cy="153888"/>
+            <a:off x="2182375" y="3880515"/>
+            <a:ext cx="289503" cy="153888"/>
           </a:xfrm>
           <a:prstGeom prst="rect">
             <a:avLst/>
@@ -18476,13 +18586,13 @@
         </p:spPr>
         <p:style>
           <a:lnRef idx="1">
-            <a:schemeClr val="accent3"/>
-          </a:lnRef>
-          <a:fillRef idx="2">
-            <a:schemeClr val="accent3"/>
-          </a:fillRef>
-          <a:effectRef idx="1">
-            <a:schemeClr val="accent3"/>
+            <a:schemeClr val="accent5"/>
+          </a:lnRef>
+          <a:fillRef idx="2">
+            <a:schemeClr val="accent5"/>
+          </a:fillRef>
+          <a:effectRef idx="1">
+            <a:schemeClr val="accent5"/>
           </a:effectRef>
           <a:fontRef idx="minor">
             <a:schemeClr val="dk1"/>
@@ -18495,22 +18605,22 @@
           <a:lstStyle/>
           <a:p>
             <a:r>
-              <a:rPr lang="en-US" sz="1000" dirty="0" smtClean="0"/>
-              <a:t>70</a:t>
-            </a:r>
-            <a:endParaRPr lang="en-US" sz="1000" dirty="0"/>
-          </a:p>
-        </p:txBody>
-      </p:sp>
-      <p:sp>
-        <p:nvSpPr>
-          <p:cNvPr id="416" name="TextBox 415"/>
+              <a:rPr lang="en-US" sz="1000" smtClean="0"/>
+              <a:t>107</a:t>
+            </a:r>
+            <a:endParaRPr lang="en-US" sz="1000"/>
+          </a:p>
+        </p:txBody>
+      </p:sp>
+      <p:sp>
+        <p:nvSpPr>
+          <p:cNvPr id="426" name="TextBox 425"/>
           <p:cNvSpPr txBox="1"/>
           <p:nvPr/>
         </p:nvSpPr>
         <p:spPr>
           <a:xfrm>
-            <a:off x="3406093" y="1416968"/>
+            <a:off x="1863128" y="3595036"/>
             <a:ext cx="223779" cy="153888"/>
           </a:xfrm>
           <a:prstGeom prst="rect">
@@ -18520,13 +18630,13 @@
         </p:spPr>
         <p:style>
           <a:lnRef idx="1">
-            <a:schemeClr val="accent3"/>
-          </a:lnRef>
-          <a:fillRef idx="2">
-            <a:schemeClr val="accent3"/>
-          </a:fillRef>
-          <a:effectRef idx="1">
-            <a:schemeClr val="accent3"/>
+            <a:schemeClr val="accent5"/>
+          </a:lnRef>
+          <a:fillRef idx="2">
+            <a:schemeClr val="accent5"/>
+          </a:fillRef>
+          <a:effectRef idx="1">
+            <a:schemeClr val="accent5"/>
           </a:effectRef>
           <a:fontRef idx="minor">
             <a:schemeClr val="dk1"/>
@@ -18540,7 +18650,7 @@
           <a:p>
             <a:r>
               <a:rPr lang="en-US" sz="1000" smtClean="0"/>
-              <a:t>69</a:t>
+              <a:t>90</a:t>
             </a:r>
             <a:endParaRPr lang="en-US" sz="1000"/>
           </a:p>
@@ -18548,14 +18658,14 @@
       </p:sp>
       <p:sp>
         <p:nvSpPr>
-          <p:cNvPr id="418" name="TextBox 417"/>
+          <p:cNvPr id="427" name="TextBox 426"/>
           <p:cNvSpPr txBox="1"/>
           <p:nvPr/>
         </p:nvSpPr>
         <p:spPr>
           <a:xfrm>
-            <a:off x="4907325" y="5234247"/>
-            <a:ext cx="223779" cy="153888"/>
+            <a:off x="1854558" y="4583472"/>
+            <a:ext cx="404919" cy="153888"/>
           </a:xfrm>
           <a:prstGeom prst="rect">
             <a:avLst/>
@@ -18564,13 +18674,13 @@
         </p:spPr>
         <p:style>
           <a:lnRef idx="1">
-            <a:schemeClr val="accent3"/>
-          </a:lnRef>
-          <a:fillRef idx="2">
-            <a:schemeClr val="accent3"/>
-          </a:fillRef>
-          <a:effectRef idx="1">
-            <a:schemeClr val="accent3"/>
+            <a:schemeClr val="accent5"/>
+          </a:lnRef>
+          <a:fillRef idx="2">
+            <a:schemeClr val="accent5"/>
+          </a:fillRef>
+          <a:effectRef idx="1">
+            <a:schemeClr val="accent5"/>
           </a:effectRef>
           <a:fontRef idx="minor">
             <a:schemeClr val="dk1"/>
@@ -18584,7 +18694,11 @@
           <a:p>
             <a:r>
               <a:rPr lang="en-US" sz="1000" smtClean="0"/>
-              <a:t>95</a:t>
+              <a:t>87</a:t>
+            </a:r>
+            <a:r>
+              <a:rPr lang="en-US" sz="1000" smtClean="0"/>
+              <a:t>/88</a:t>
             </a:r>
             <a:endParaRPr lang="en-US" sz="1000"/>
           </a:p>
@@ -18592,14 +18706,14 @@
       </p:sp>
       <p:sp>
         <p:nvSpPr>
-          <p:cNvPr id="419" name="TextBox 418"/>
+          <p:cNvPr id="428" name="TextBox 427"/>
           <p:cNvSpPr txBox="1"/>
           <p:nvPr/>
         </p:nvSpPr>
         <p:spPr>
           <a:xfrm>
-            <a:off x="2450435" y="2520991"/>
-            <a:ext cx="223779" cy="153888"/>
+            <a:off x="3636885" y="2416931"/>
+            <a:ext cx="223779" cy="307777"/>
           </a:xfrm>
           <a:prstGeom prst="rect">
             <a:avLst/>
@@ -18608,13 +18722,13 @@
         </p:spPr>
         <p:style>
           <a:lnRef idx="1">
-            <a:schemeClr val="accent3"/>
-          </a:lnRef>
-          <a:fillRef idx="2">
-            <a:schemeClr val="accent3"/>
-          </a:fillRef>
-          <a:effectRef idx="1">
-            <a:schemeClr val="accent3"/>
+            <a:schemeClr val="accent5"/>
+          </a:lnRef>
+          <a:fillRef idx="2">
+            <a:schemeClr val="accent5"/>
+          </a:fillRef>
+          <a:effectRef idx="1">
+            <a:schemeClr val="accent5"/>
           </a:effectRef>
           <a:fontRef idx="minor">
             <a:schemeClr val="dk1"/>
@@ -18628,7 +18742,13 @@
           <a:p>
             <a:r>
               <a:rPr lang="en-US" sz="1000" smtClean="0"/>
-              <a:t>94</a:t>
+              <a:t>16</a:t>
+            </a:r>
+          </a:p>
+          <a:p>
+            <a:r>
+              <a:rPr lang="en-US" sz="1000" smtClean="0"/>
+              <a:t>17</a:t>
             </a:r>
             <a:endParaRPr lang="en-US" sz="1000"/>
           </a:p>
@@ -18636,14 +18756,14 @@
       </p:sp>
       <p:sp>
         <p:nvSpPr>
-          <p:cNvPr id="420" name="TextBox 419"/>
+          <p:cNvPr id="429" name="TextBox 428"/>
           <p:cNvSpPr txBox="1"/>
           <p:nvPr/>
         </p:nvSpPr>
         <p:spPr>
           <a:xfrm>
-            <a:off x="4220466" y="4761609"/>
-            <a:ext cx="158057" cy="153888"/>
+            <a:off x="4951710" y="2393407"/>
+            <a:ext cx="289503" cy="153888"/>
           </a:xfrm>
           <a:prstGeom prst="rect">
             <a:avLst/>
@@ -18652,13 +18772,13 @@
         </p:spPr>
         <p:style>
           <a:lnRef idx="1">
-            <a:schemeClr val="accent3"/>
-          </a:lnRef>
-          <a:fillRef idx="2">
-            <a:schemeClr val="accent3"/>
-          </a:fillRef>
-          <a:effectRef idx="1">
-            <a:schemeClr val="accent3"/>
+            <a:schemeClr val="accent5"/>
+          </a:lnRef>
+          <a:fillRef idx="2">
+            <a:schemeClr val="accent5"/>
+          </a:fillRef>
+          <a:effectRef idx="1">
+            <a:schemeClr val="accent5"/>
           </a:effectRef>
           <a:fontRef idx="minor">
             <a:schemeClr val="dk1"/>
@@ -18672,7 +18792,7 @@
           <a:p>
             <a:r>
               <a:rPr lang="en-US" sz="1000" smtClean="0"/>
-              <a:t>4</a:t>
+              <a:t>103</a:t>
             </a:r>
             <a:endParaRPr lang="en-US" sz="1000"/>
           </a:p>
@@ -18680,14 +18800,14 @@
       </p:sp>
       <p:sp>
         <p:nvSpPr>
-          <p:cNvPr id="421" name="TextBox 420"/>
+          <p:cNvPr id="430" name="TextBox 429"/>
           <p:cNvSpPr txBox="1"/>
           <p:nvPr/>
         </p:nvSpPr>
         <p:spPr>
           <a:xfrm>
-            <a:off x="4220466" y="4574805"/>
-            <a:ext cx="158057" cy="153888"/>
+            <a:off x="8065742" y="1212720"/>
+            <a:ext cx="223779" cy="153888"/>
           </a:xfrm>
           <a:prstGeom prst="rect">
             <a:avLst/>
@@ -18696,13 +18816,13 @@
         </p:spPr>
         <p:style>
           <a:lnRef idx="1">
-            <a:schemeClr val="accent3"/>
-          </a:lnRef>
-          <a:fillRef idx="2">
-            <a:schemeClr val="accent3"/>
-          </a:fillRef>
-          <a:effectRef idx="1">
-            <a:schemeClr val="accent3"/>
+            <a:schemeClr val="accent5"/>
+          </a:lnRef>
+          <a:fillRef idx="2">
+            <a:schemeClr val="accent5"/>
+          </a:fillRef>
+          <a:effectRef idx="1">
+            <a:schemeClr val="accent5"/>
           </a:effectRef>
           <a:fontRef idx="minor">
             <a:schemeClr val="dk1"/>
@@ -18716,7 +18836,7 @@
           <a:p>
             <a:r>
               <a:rPr lang="en-US" sz="1000" smtClean="0"/>
-              <a:t>3</a:t>
+              <a:t>58</a:t>
             </a:r>
             <a:endParaRPr lang="en-US" sz="1000"/>
           </a:p>
@@ -18724,14 +18844,14 @@
       </p:sp>
       <p:sp>
         <p:nvSpPr>
-          <p:cNvPr id="422" name="TextBox 421"/>
+          <p:cNvPr id="431" name="TextBox 430"/>
           <p:cNvSpPr txBox="1"/>
           <p:nvPr/>
         </p:nvSpPr>
         <p:spPr>
           <a:xfrm>
-            <a:off x="4220466" y="4322069"/>
-            <a:ext cx="158057" cy="153888"/>
+            <a:off x="5223317" y="1766474"/>
+            <a:ext cx="289503" cy="153888"/>
           </a:xfrm>
           <a:prstGeom prst="rect">
             <a:avLst/>
@@ -18740,13 +18860,13 @@
         </p:spPr>
         <p:style>
           <a:lnRef idx="1">
-            <a:schemeClr val="accent3"/>
-          </a:lnRef>
-          <a:fillRef idx="2">
-            <a:schemeClr val="accent3"/>
-          </a:fillRef>
-          <a:effectRef idx="1">
-            <a:schemeClr val="accent3"/>
+            <a:schemeClr val="accent5"/>
+          </a:lnRef>
+          <a:fillRef idx="2">
+            <a:schemeClr val="accent5"/>
+          </a:fillRef>
+          <a:effectRef idx="1">
+            <a:schemeClr val="accent5"/>
           </a:effectRef>
           <a:fontRef idx="minor">
             <a:schemeClr val="dk1"/>
@@ -18760,7 +18880,7 @@
           <a:p>
             <a:r>
               <a:rPr lang="en-US" sz="1000" smtClean="0"/>
-              <a:t>2</a:t>
+              <a:t>102</a:t>
             </a:r>
             <a:endParaRPr lang="en-US" sz="1000"/>
           </a:p>
@@ -18768,14 +18888,14 @@
       </p:sp>
       <p:sp>
         <p:nvSpPr>
-          <p:cNvPr id="423" name="TextBox 422"/>
+          <p:cNvPr id="432" name="TextBox 431"/>
           <p:cNvSpPr txBox="1"/>
           <p:nvPr/>
         </p:nvSpPr>
         <p:spPr>
           <a:xfrm>
-            <a:off x="4220466" y="4077575"/>
-            <a:ext cx="158057" cy="153888"/>
+            <a:off x="4198673" y="1664390"/>
+            <a:ext cx="223779" cy="153888"/>
           </a:xfrm>
           <a:prstGeom prst="rect">
             <a:avLst/>
@@ -18784,13 +18904,13 @@
         </p:spPr>
         <p:style>
           <a:lnRef idx="1">
-            <a:schemeClr val="accent3"/>
-          </a:lnRef>
-          <a:fillRef idx="2">
-            <a:schemeClr val="accent3"/>
-          </a:fillRef>
-          <a:effectRef idx="1">
-            <a:schemeClr val="accent3"/>
+            <a:schemeClr val="accent5"/>
+          </a:lnRef>
+          <a:fillRef idx="2">
+            <a:schemeClr val="accent5"/>
+          </a:fillRef>
+          <a:effectRef idx="1">
+            <a:schemeClr val="accent5"/>
           </a:effectRef>
           <a:fontRef idx="minor">
             <a:schemeClr val="dk1"/>
@@ -18804,22 +18924,22 @@
           <a:p>
             <a:r>
               <a:rPr lang="en-US" sz="1000" smtClean="0"/>
-              <a:t>1</a:t>
-            </a:r>
-            <a:endParaRPr lang="en-US" sz="1000"/>
-          </a:p>
-        </p:txBody>
-      </p:sp>
-      <p:sp>
-        <p:nvSpPr>
-          <p:cNvPr id="424" name="TextBox 423"/>
+              <a:t>77</a:t>
+            </a:r>
+            <a:endParaRPr lang="en-US" sz="1000" dirty="0"/>
+          </a:p>
+        </p:txBody>
+      </p:sp>
+      <p:sp>
+        <p:nvSpPr>
+          <p:cNvPr id="433" name="TextBox 432"/>
           <p:cNvSpPr txBox="1"/>
           <p:nvPr/>
         </p:nvSpPr>
         <p:spPr>
           <a:xfrm>
-            <a:off x="1621733" y="3836068"/>
-            <a:ext cx="289503" cy="153888"/>
+            <a:off x="4503406" y="1875096"/>
+            <a:ext cx="223779" cy="307777"/>
           </a:xfrm>
           <a:prstGeom prst="rect">
             <a:avLst/>
@@ -18828,13 +18948,13 @@
         </p:spPr>
         <p:style>
           <a:lnRef idx="1">
-            <a:schemeClr val="accent3"/>
-          </a:lnRef>
-          <a:fillRef idx="2">
-            <a:schemeClr val="accent3"/>
-          </a:fillRef>
-          <a:effectRef idx="1">
-            <a:schemeClr val="accent3"/>
+            <a:schemeClr val="accent5"/>
+          </a:lnRef>
+          <a:fillRef idx="2">
+            <a:schemeClr val="accent5"/>
+          </a:fillRef>
+          <a:effectRef idx="1">
+            <a:schemeClr val="accent5"/>
           </a:effectRef>
           <a:fontRef idx="minor">
             <a:schemeClr val="dk1"/>
@@ -18848,22 +18968,29 @@
           <a:p>
             <a:r>
               <a:rPr lang="en-US" sz="1000" smtClean="0"/>
-              <a:t>116</a:t>
-            </a:r>
-            <a:endParaRPr lang="en-US" sz="1000"/>
-          </a:p>
-        </p:txBody>
-      </p:sp>
-      <p:sp>
-        <p:nvSpPr>
-          <p:cNvPr id="425" name="TextBox 424"/>
+              <a:t>15</a:t>
+            </a:r>
+            <a:endParaRPr lang="en-US" sz="1000" smtClean="0"/>
+          </a:p>
+          <a:p>
+            <a:r>
+              <a:rPr lang="en-US" sz="1000" smtClean="0"/>
+              <a:t>14</a:t>
+            </a:r>
+            <a:endParaRPr lang="en-US" sz="1000" dirty="0"/>
+          </a:p>
+        </p:txBody>
+      </p:sp>
+      <p:sp>
+        <p:nvSpPr>
+          <p:cNvPr id="434" name="TextBox 433"/>
           <p:cNvSpPr txBox="1"/>
           <p:nvPr/>
         </p:nvSpPr>
         <p:spPr>
           <a:xfrm>
-            <a:off x="2268640" y="4113428"/>
-            <a:ext cx="289503" cy="153888"/>
+            <a:off x="4004583" y="1951026"/>
+            <a:ext cx="223779" cy="153888"/>
           </a:xfrm>
           <a:prstGeom prst="rect">
             <a:avLst/>
@@ -18872,13 +18999,13 @@
         </p:spPr>
         <p:style>
           <a:lnRef idx="1">
-            <a:schemeClr val="accent3"/>
-          </a:lnRef>
-          <a:fillRef idx="2">
-            <a:schemeClr val="accent3"/>
-          </a:fillRef>
-          <a:effectRef idx="1">
-            <a:schemeClr val="accent3"/>
+            <a:schemeClr val="accent5"/>
+          </a:lnRef>
+          <a:fillRef idx="2">
+            <a:schemeClr val="accent5"/>
+          </a:fillRef>
+          <a:effectRef idx="1">
+            <a:schemeClr val="accent5"/>
           </a:effectRef>
           <a:fontRef idx="minor">
             <a:schemeClr val="dk1"/>
@@ -18892,7 +19019,7 @@
           <a:p>
             <a:r>
               <a:rPr lang="en-US" sz="1000" smtClean="0"/>
-              <a:t>115</a:t>
+              <a:t>43</a:t>
             </a:r>
             <a:endParaRPr lang="en-US" sz="1000"/>
           </a:p>
@@ -18900,14 +19027,14 @@
       </p:sp>
       <p:sp>
         <p:nvSpPr>
-          <p:cNvPr id="426" name="TextBox 425"/>
+          <p:cNvPr id="439" name="TextBox 438"/>
           <p:cNvSpPr txBox="1"/>
           <p:nvPr/>
         </p:nvSpPr>
         <p:spPr>
           <a:xfrm>
-            <a:off x="1863128" y="3595036"/>
-            <a:ext cx="289503" cy="153888"/>
+            <a:off x="5623826" y="4344046"/>
+            <a:ext cx="158057" cy="153888"/>
           </a:xfrm>
           <a:prstGeom prst="rect">
             <a:avLst/>
@@ -18916,13 +19043,13 @@
         </p:spPr>
         <p:style>
           <a:lnRef idx="1">
-            <a:schemeClr val="accent3"/>
-          </a:lnRef>
-          <a:fillRef idx="2">
-            <a:schemeClr val="accent3"/>
-          </a:fillRef>
-          <a:effectRef idx="1">
-            <a:schemeClr val="accent3"/>
+            <a:schemeClr val="accent5"/>
+          </a:lnRef>
+          <a:fillRef idx="2">
+            <a:schemeClr val="accent5"/>
+          </a:fillRef>
+          <a:effectRef idx="1">
+            <a:schemeClr val="accent5"/>
           </a:effectRef>
           <a:fontRef idx="minor">
             <a:schemeClr val="dk1"/>
@@ -18936,7 +19063,7 @@
           <a:p>
             <a:r>
               <a:rPr lang="en-US" sz="1000" smtClean="0"/>
-              <a:t>114</a:t>
+              <a:t>4</a:t>
             </a:r>
             <a:endParaRPr lang="en-US" sz="1000"/>
           </a:p>
@@ -18944,14 +19071,14 @@
       </p:sp>
       <p:sp>
         <p:nvSpPr>
-          <p:cNvPr id="427" name="TextBox 426"/>
+          <p:cNvPr id="440" name="TextBox 439"/>
           <p:cNvSpPr txBox="1"/>
           <p:nvPr/>
         </p:nvSpPr>
         <p:spPr>
           <a:xfrm>
-            <a:off x="1837306" y="4583472"/>
-            <a:ext cx="451406" cy="153888"/>
+            <a:off x="5624741" y="4101309"/>
+            <a:ext cx="158057" cy="153888"/>
           </a:xfrm>
           <a:prstGeom prst="rect">
             <a:avLst/>
@@ -18960,13 +19087,13 @@
         </p:spPr>
         <p:style>
           <a:lnRef idx="1">
-            <a:schemeClr val="accent3"/>
-          </a:lnRef>
-          <a:fillRef idx="2">
-            <a:schemeClr val="accent3"/>
-          </a:fillRef>
-          <a:effectRef idx="1">
-            <a:schemeClr val="accent3"/>
+            <a:schemeClr val="accent5"/>
+          </a:lnRef>
+          <a:fillRef idx="2">
+            <a:schemeClr val="accent5"/>
+          </a:fillRef>
+          <a:effectRef idx="1">
+            <a:schemeClr val="accent5"/>
           </a:effectRef>
           <a:fontRef idx="minor">
             <a:schemeClr val="dk1"/>
@@ -18980,7 +19107,7 @@
           <a:p>
             <a:r>
               <a:rPr lang="en-US" sz="1000" smtClean="0"/>
-              <a:t>113/xx</a:t>
+              <a:t>2</a:t>
             </a:r>
             <a:endParaRPr lang="en-US" sz="1000"/>
           </a:p>
@@ -18988,14 +19115,14 @@
       </p:sp>
       <p:sp>
         <p:nvSpPr>
-          <p:cNvPr id="428" name="TextBox 427"/>
+          <p:cNvPr id="441" name="TextBox 440"/>
           <p:cNvSpPr txBox="1"/>
           <p:nvPr/>
         </p:nvSpPr>
         <p:spPr>
           <a:xfrm>
-            <a:off x="3403983" y="2546321"/>
-            <a:ext cx="385683" cy="153888"/>
+            <a:off x="7541479" y="1240513"/>
+            <a:ext cx="223779" cy="153888"/>
           </a:xfrm>
           <a:prstGeom prst="rect">
             <a:avLst/>
@@ -19004,13 +19131,13 @@
         </p:spPr>
         <p:style>
           <a:lnRef idx="1">
-            <a:schemeClr val="accent3"/>
-          </a:lnRef>
-          <a:fillRef idx="2">
-            <a:schemeClr val="accent3"/>
-          </a:fillRef>
-          <a:effectRef idx="1">
-            <a:schemeClr val="accent3"/>
+            <a:schemeClr val="accent5"/>
+          </a:lnRef>
+          <a:fillRef idx="2">
+            <a:schemeClr val="accent5"/>
+          </a:fillRef>
+          <a:effectRef idx="1">
+            <a:schemeClr val="accent5"/>
           </a:effectRef>
           <a:fontRef idx="minor">
             <a:schemeClr val="dk1"/>
@@ -19024,7 +19151,7 @@
           <a:p>
             <a:r>
               <a:rPr lang="en-US" sz="1000" smtClean="0"/>
-              <a:t>78/xx</a:t>
+              <a:t>55</a:t>
             </a:r>
             <a:endParaRPr lang="en-US" sz="1000"/>
           </a:p>
@@ -19032,13 +19159,13 @@
       </p:sp>
       <p:sp>
         <p:nvSpPr>
-          <p:cNvPr id="429" name="TextBox 428"/>
+          <p:cNvPr id="442" name="TextBox 441"/>
           <p:cNvSpPr txBox="1"/>
           <p:nvPr/>
         </p:nvSpPr>
         <p:spPr>
           <a:xfrm>
-            <a:off x="4382367" y="2695332"/>
+            <a:off x="6418312" y="5768601"/>
             <a:ext cx="223779" cy="153888"/>
           </a:xfrm>
           <a:prstGeom prst="rect">
@@ -19048,13 +19175,13 @@
         </p:spPr>
         <p:style>
           <a:lnRef idx="1">
-            <a:schemeClr val="accent3"/>
-          </a:lnRef>
-          <a:fillRef idx="2">
-            <a:schemeClr val="accent3"/>
-          </a:fillRef>
-          <a:effectRef idx="1">
-            <a:schemeClr val="accent3"/>
+            <a:schemeClr val="accent5"/>
+          </a:lnRef>
+          <a:fillRef idx="2">
+            <a:schemeClr val="accent5"/>
+          </a:fillRef>
+          <a:effectRef idx="1">
+            <a:schemeClr val="accent5"/>
           </a:effectRef>
           <a:fontRef idx="minor">
             <a:schemeClr val="dk1"/>
@@ -19068,7 +19195,7 @@
           <a:p>
             <a:r>
               <a:rPr lang="en-US" sz="1000" smtClean="0"/>
-              <a:t>79</a:t>
+              <a:t>40</a:t>
             </a:r>
             <a:endParaRPr lang="en-US" sz="1000"/>
           </a:p>
@@ -19076,14 +19203,14 @@
       </p:sp>
       <p:sp>
         <p:nvSpPr>
-          <p:cNvPr id="430" name="TextBox 429"/>
+          <p:cNvPr id="443" name="TextBox 442"/>
           <p:cNvSpPr txBox="1"/>
           <p:nvPr/>
         </p:nvSpPr>
         <p:spPr>
           <a:xfrm>
-            <a:off x="5365673" y="2049483"/>
-            <a:ext cx="223779" cy="153888"/>
+            <a:off x="8057172" y="6109958"/>
+            <a:ext cx="289503" cy="153888"/>
           </a:xfrm>
           <a:prstGeom prst="rect">
             <a:avLst/>
@@ -19092,13 +19219,13 @@
         </p:spPr>
         <p:style>
           <a:lnRef idx="1">
-            <a:schemeClr val="accent3"/>
-          </a:lnRef>
-          <a:fillRef idx="2">
-            <a:schemeClr val="accent3"/>
-          </a:fillRef>
-          <a:effectRef idx="1">
-            <a:schemeClr val="accent3"/>
+            <a:schemeClr val="accent5"/>
+          </a:lnRef>
+          <a:fillRef idx="2">
+            <a:schemeClr val="accent5"/>
+          </a:fillRef>
+          <a:effectRef idx="1">
+            <a:schemeClr val="accent5"/>
           </a:effectRef>
           <a:fontRef idx="minor">
             <a:schemeClr val="dk1"/>
@@ -19112,7 +19239,7 @@
           <a:p>
             <a:r>
               <a:rPr lang="en-US" sz="1000" smtClean="0"/>
-              <a:t>60</a:t>
+              <a:t>106</a:t>
             </a:r>
             <a:endParaRPr lang="en-US" sz="1000"/>
           </a:p>
@@ -19120,13 +19247,13 @@
       </p:sp>
       <p:sp>
         <p:nvSpPr>
-          <p:cNvPr id="431" name="TextBox 430"/>
+          <p:cNvPr id="444" name="TextBox 443"/>
           <p:cNvSpPr txBox="1"/>
           <p:nvPr/>
         </p:nvSpPr>
         <p:spPr>
           <a:xfrm>
-            <a:off x="5145683" y="1766474"/>
+            <a:off x="6871740" y="5876672"/>
             <a:ext cx="223779" cy="153888"/>
           </a:xfrm>
           <a:prstGeom prst="rect">
@@ -19136,13 +19263,13 @@
         </p:spPr>
         <p:style>
           <a:lnRef idx="1">
-            <a:schemeClr val="accent3"/>
-          </a:lnRef>
-          <a:fillRef idx="2">
-            <a:schemeClr val="accent3"/>
-          </a:fillRef>
-          <a:effectRef idx="1">
-            <a:schemeClr val="accent3"/>
+            <a:schemeClr val="accent5"/>
+          </a:lnRef>
+          <a:fillRef idx="2">
+            <a:schemeClr val="accent5"/>
+          </a:fillRef>
+          <a:effectRef idx="1">
+            <a:schemeClr val="accent5"/>
           </a:effectRef>
           <a:fontRef idx="minor">
             <a:schemeClr val="dk1"/>
@@ -19156,7 +19283,7 @@
           <a:p>
             <a:r>
               <a:rPr lang="en-US" sz="1000" smtClean="0"/>
-              <a:t>59</a:t>
+              <a:t>64</a:t>
             </a:r>
             <a:endParaRPr lang="en-US" sz="1000"/>
           </a:p>
@@ -19164,14 +19291,14 @@
       </p:sp>
       <p:sp>
         <p:nvSpPr>
-          <p:cNvPr id="432" name="TextBox 431"/>
+          <p:cNvPr id="445" name="TextBox 444"/>
           <p:cNvSpPr txBox="1"/>
           <p:nvPr/>
         </p:nvSpPr>
         <p:spPr>
           <a:xfrm>
-            <a:off x="4621367" y="1698895"/>
-            <a:ext cx="223779" cy="153888"/>
+            <a:off x="8040009" y="5737175"/>
+            <a:ext cx="289503" cy="153888"/>
           </a:xfrm>
           <a:prstGeom prst="rect">
             <a:avLst/>
@@ -19180,13 +19307,13 @@
         </p:spPr>
         <p:style>
           <a:lnRef idx="1">
-            <a:schemeClr val="accent3"/>
-          </a:lnRef>
-          <a:fillRef idx="2">
-            <a:schemeClr val="accent3"/>
-          </a:fillRef>
-          <a:effectRef idx="1">
-            <a:schemeClr val="accent3"/>
+            <a:schemeClr val="accent5"/>
+          </a:lnRef>
+          <a:fillRef idx="2">
+            <a:schemeClr val="accent5"/>
+          </a:fillRef>
+          <a:effectRef idx="1">
+            <a:schemeClr val="accent5"/>
           </a:effectRef>
           <a:fontRef idx="minor">
             <a:schemeClr val="dk1"/>
@@ -19199,8 +19326,8 @@
           <a:lstStyle/>
           <a:p>
             <a:r>
-              <a:rPr lang="en-US" sz="1000" dirty="0" smtClean="0"/>
-              <a:t>71</a:t>
+              <a:rPr lang="en-US" sz="1000" smtClean="0"/>
+              <a:t>108</a:t>
             </a:r>
             <a:endParaRPr lang="en-US" sz="1000" dirty="0"/>
           </a:p>
@@ -19208,13 +19335,13 @@
       </p:sp>
       <p:sp>
         <p:nvSpPr>
-          <p:cNvPr id="433" name="TextBox 432"/>
+          <p:cNvPr id="450" name="TextBox 449"/>
           <p:cNvSpPr txBox="1"/>
           <p:nvPr/>
         </p:nvSpPr>
         <p:spPr>
           <a:xfrm>
-            <a:off x="4253252" y="1797462"/>
+            <a:off x="7693552" y="3962295"/>
             <a:ext cx="223779" cy="153888"/>
           </a:xfrm>
           <a:prstGeom prst="rect">
@@ -19224,13 +19351,13 @@
         </p:spPr>
         <p:style>
           <a:lnRef idx="1">
-            <a:schemeClr val="accent3"/>
-          </a:lnRef>
-          <a:fillRef idx="2">
-            <a:schemeClr val="accent3"/>
-          </a:fillRef>
-          <a:effectRef idx="1">
-            <a:schemeClr val="accent3"/>
+            <a:schemeClr val="accent5"/>
+          </a:lnRef>
+          <a:fillRef idx="2">
+            <a:schemeClr val="accent5"/>
+          </a:fillRef>
+          <a:effectRef idx="1">
+            <a:schemeClr val="accent5"/>
           </a:effectRef>
           <a:fontRef idx="minor">
             <a:schemeClr val="dk1"/>
@@ -19243,22 +19370,22 @@
           <a:lstStyle/>
           <a:p>
             <a:r>
-              <a:rPr lang="en-US" sz="1000" dirty="0" smtClean="0"/>
-              <a:t>80</a:t>
-            </a:r>
-            <a:endParaRPr lang="en-US" sz="1000" dirty="0"/>
-          </a:p>
-        </p:txBody>
-      </p:sp>
-      <p:sp>
-        <p:nvSpPr>
-          <p:cNvPr id="434" name="TextBox 433"/>
+              <a:rPr lang="en-US" sz="1000" smtClean="0"/>
+              <a:t>68</a:t>
+            </a:r>
+            <a:endParaRPr lang="en-US" sz="1000"/>
+          </a:p>
+        </p:txBody>
+      </p:sp>
+      <p:sp>
+        <p:nvSpPr>
+          <p:cNvPr id="451" name="TextBox 450"/>
           <p:cNvSpPr txBox="1"/>
           <p:nvPr/>
         </p:nvSpPr>
         <p:spPr>
           <a:xfrm>
-            <a:off x="3616413" y="2011408"/>
+            <a:off x="7501735" y="3343265"/>
             <a:ext cx="223779" cy="153888"/>
           </a:xfrm>
           <a:prstGeom prst="rect">
@@ -19268,13 +19395,13 @@
         </p:spPr>
         <p:style>
           <a:lnRef idx="1">
-            <a:schemeClr val="accent3"/>
-          </a:lnRef>
-          <a:fillRef idx="2">
-            <a:schemeClr val="accent3"/>
-          </a:fillRef>
-          <a:effectRef idx="1">
-            <a:schemeClr val="accent3"/>
+            <a:schemeClr val="accent5"/>
+          </a:lnRef>
+          <a:fillRef idx="2">
+            <a:schemeClr val="accent5"/>
+          </a:fillRef>
+          <a:effectRef idx="1">
+            <a:schemeClr val="accent5"/>
           </a:effectRef>
           <a:fontRef idx="minor">
             <a:schemeClr val="dk1"/>
@@ -19288,7 +19415,7 @@
           <a:p>
             <a:r>
               <a:rPr lang="en-US" sz="1000" smtClean="0"/>
-              <a:t>76</a:t>
+              <a:t>69</a:t>
             </a:r>
             <a:endParaRPr lang="en-US" sz="1000"/>
           </a:p>
@@ -19296,13 +19423,13 @@
       </p:sp>
       <p:sp>
         <p:nvSpPr>
-          <p:cNvPr id="436" name="TextBox 435"/>
+          <p:cNvPr id="452" name="TextBox 451"/>
           <p:cNvSpPr txBox="1"/>
           <p:nvPr/>
         </p:nvSpPr>
         <p:spPr>
           <a:xfrm>
-            <a:off x="6825958" y="4792057"/>
+            <a:off x="7224564" y="3003234"/>
             <a:ext cx="223779" cy="153888"/>
           </a:xfrm>
           <a:prstGeom prst="rect">
@@ -19312,13 +19439,13 @@
         </p:spPr>
         <p:style>
           <a:lnRef idx="1">
-            <a:schemeClr val="accent3"/>
-          </a:lnRef>
-          <a:fillRef idx="2">
-            <a:schemeClr val="accent3"/>
-          </a:fillRef>
-          <a:effectRef idx="1">
-            <a:schemeClr val="accent3"/>
+            <a:schemeClr val="accent5"/>
+          </a:lnRef>
+          <a:fillRef idx="2">
+            <a:schemeClr val="accent5"/>
+          </a:fillRef>
+          <a:effectRef idx="1">
+            <a:schemeClr val="accent5"/>
           </a:effectRef>
           <a:fontRef idx="minor">
             <a:schemeClr val="dk1"/>
@@ -19332,7 +19459,7 @@
           <a:p>
             <a:r>
               <a:rPr lang="en-US" sz="1000" smtClean="0"/>
-              <a:t>11</a:t>
+              <a:t>70</a:t>
             </a:r>
             <a:endParaRPr lang="en-US" sz="1000"/>
           </a:p>
@@ -19340,13 +19467,13 @@
       </p:sp>
       <p:sp>
         <p:nvSpPr>
-          <p:cNvPr id="437" name="TextBox 436"/>
+          <p:cNvPr id="453" name="TextBox 452"/>
           <p:cNvSpPr txBox="1"/>
           <p:nvPr/>
         </p:nvSpPr>
         <p:spPr>
           <a:xfrm>
-            <a:off x="6716641" y="4140814"/>
+            <a:off x="6980393" y="2548426"/>
             <a:ext cx="223779" cy="153888"/>
           </a:xfrm>
           <a:prstGeom prst="rect">
@@ -19356,13 +19483,13 @@
         </p:spPr>
         <p:style>
           <a:lnRef idx="1">
-            <a:schemeClr val="accent3"/>
-          </a:lnRef>
-          <a:fillRef idx="2">
-            <a:schemeClr val="accent3"/>
-          </a:fillRef>
-          <a:effectRef idx="1">
-            <a:schemeClr val="accent3"/>
+            <a:schemeClr val="accent5"/>
+          </a:lnRef>
+          <a:fillRef idx="2">
+            <a:schemeClr val="accent5"/>
+          </a:fillRef>
+          <a:effectRef idx="1">
+            <a:schemeClr val="accent5"/>
           </a:effectRef>
           <a:fontRef idx="minor">
             <a:schemeClr val="dk1"/>
@@ -19376,535 +19503,7 @@
           <a:p>
             <a:r>
               <a:rPr lang="en-US" sz="1000" smtClean="0"/>
-              <a:t>10</a:t>
-            </a:r>
-            <a:endParaRPr lang="en-US" sz="1000"/>
-          </a:p>
-        </p:txBody>
-      </p:sp>
-      <p:sp>
-        <p:nvSpPr>
-          <p:cNvPr id="439" name="TextBox 438"/>
-          <p:cNvSpPr txBox="1"/>
-          <p:nvPr/>
-        </p:nvSpPr>
-        <p:spPr>
-          <a:xfrm>
-            <a:off x="5623826" y="4344046"/>
-            <a:ext cx="158057" cy="153888"/>
-          </a:xfrm>
-          <a:prstGeom prst="rect">
-            <a:avLst/>
-          </a:prstGeom>
-          <a:ln/>
-        </p:spPr>
-        <p:style>
-          <a:lnRef idx="1">
-            <a:schemeClr val="accent3"/>
-          </a:lnRef>
-          <a:fillRef idx="2">
-            <a:schemeClr val="accent3"/>
-          </a:fillRef>
-          <a:effectRef idx="1">
-            <a:schemeClr val="accent3"/>
-          </a:effectRef>
-          <a:fontRef idx="minor">
-            <a:schemeClr val="dk1"/>
-          </a:fontRef>
-        </p:style>
-        <p:txBody>
-          <a:bodyPr wrap="none" lIns="45720" tIns="0" rIns="45720" bIns="0" rtlCol="0">
-            <a:spAutoFit/>
-          </a:bodyPr>
-          <a:lstStyle/>
-          <a:p>
-            <a:r>
-              <a:rPr lang="en-US" sz="1000" smtClean="0"/>
-              <a:t>6</a:t>
-            </a:r>
-            <a:endParaRPr lang="en-US" sz="1000"/>
-          </a:p>
-        </p:txBody>
-      </p:sp>
-      <p:sp>
-        <p:nvSpPr>
-          <p:cNvPr id="440" name="TextBox 439"/>
-          <p:cNvSpPr txBox="1"/>
-          <p:nvPr/>
-        </p:nvSpPr>
-        <p:spPr>
-          <a:xfrm>
-            <a:off x="5624741" y="4101309"/>
-            <a:ext cx="158057" cy="153888"/>
-          </a:xfrm>
-          <a:prstGeom prst="rect">
-            <a:avLst/>
-          </a:prstGeom>
-          <a:ln/>
-        </p:spPr>
-        <p:style>
-          <a:lnRef idx="1">
-            <a:schemeClr val="accent3"/>
-          </a:lnRef>
-          <a:fillRef idx="2">
-            <a:schemeClr val="accent3"/>
-          </a:fillRef>
-          <a:effectRef idx="1">
-            <a:schemeClr val="accent3"/>
-          </a:effectRef>
-          <a:fontRef idx="minor">
-            <a:schemeClr val="dk1"/>
-          </a:fontRef>
-        </p:style>
-        <p:txBody>
-          <a:bodyPr wrap="none" lIns="45720" tIns="0" rIns="45720" bIns="0" rtlCol="0">
-            <a:spAutoFit/>
-          </a:bodyPr>
-          <a:lstStyle/>
-          <a:p>
-            <a:r>
-              <a:rPr lang="en-US" sz="1000" smtClean="0"/>
-              <a:t>5</a:t>
-            </a:r>
-            <a:endParaRPr lang="en-US" sz="1000"/>
-          </a:p>
-        </p:txBody>
-      </p:sp>
-      <p:sp>
-        <p:nvSpPr>
-          <p:cNvPr id="441" name="TextBox 440"/>
-          <p:cNvSpPr txBox="1"/>
-          <p:nvPr/>
-        </p:nvSpPr>
-        <p:spPr>
-          <a:xfrm>
-            <a:off x="7541479" y="1240513"/>
-            <a:ext cx="223779" cy="153888"/>
-          </a:xfrm>
-          <a:prstGeom prst="rect">
-            <a:avLst/>
-          </a:prstGeom>
-          <a:ln/>
-        </p:spPr>
-        <p:style>
-          <a:lnRef idx="1">
-            <a:schemeClr val="accent3"/>
-          </a:lnRef>
-          <a:fillRef idx="2">
-            <a:schemeClr val="accent3"/>
-          </a:fillRef>
-          <a:effectRef idx="1">
-            <a:schemeClr val="accent3"/>
-          </a:effectRef>
-          <a:fontRef idx="minor">
-            <a:schemeClr val="dk1"/>
-          </a:fontRef>
-        </p:style>
-        <p:txBody>
-          <a:bodyPr wrap="none" lIns="45720" tIns="0" rIns="45720" bIns="0" rtlCol="0">
-            <a:spAutoFit/>
-          </a:bodyPr>
-          <a:lstStyle/>
-          <a:p>
-            <a:r>
-              <a:rPr lang="en-US" sz="1000" smtClean="0"/>
-              <a:t>55</a:t>
-            </a:r>
-            <a:endParaRPr lang="en-US" sz="1000"/>
-          </a:p>
-        </p:txBody>
-      </p:sp>
-      <p:sp>
-        <p:nvSpPr>
-          <p:cNvPr id="442" name="TextBox 441"/>
-          <p:cNvSpPr txBox="1"/>
-          <p:nvPr/>
-        </p:nvSpPr>
-        <p:spPr>
-          <a:xfrm>
-            <a:off x="6418312" y="5768601"/>
-            <a:ext cx="223779" cy="153888"/>
-          </a:xfrm>
-          <a:prstGeom prst="rect">
-            <a:avLst/>
-          </a:prstGeom>
-          <a:ln/>
-        </p:spPr>
-        <p:style>
-          <a:lnRef idx="1">
-            <a:schemeClr val="accent3"/>
-          </a:lnRef>
-          <a:fillRef idx="2">
-            <a:schemeClr val="accent3"/>
-          </a:fillRef>
-          <a:effectRef idx="1">
-            <a:schemeClr val="accent3"/>
-          </a:effectRef>
-          <a:fontRef idx="minor">
-            <a:schemeClr val="dk1"/>
-          </a:fontRef>
-        </p:style>
-        <p:txBody>
-          <a:bodyPr wrap="none" lIns="45720" tIns="0" rIns="45720" bIns="0" rtlCol="0">
-            <a:spAutoFit/>
-          </a:bodyPr>
-          <a:lstStyle/>
-          <a:p>
-            <a:r>
-              <a:rPr lang="en-US" sz="1000" smtClean="0"/>
-              <a:t>18</a:t>
-            </a:r>
-            <a:endParaRPr lang="en-US" sz="1000"/>
-          </a:p>
-        </p:txBody>
-      </p:sp>
-      <p:sp>
-        <p:nvSpPr>
-          <p:cNvPr id="443" name="TextBox 442"/>
-          <p:cNvSpPr txBox="1"/>
-          <p:nvPr/>
-        </p:nvSpPr>
-        <p:spPr>
-          <a:xfrm>
-            <a:off x="8057172" y="6109958"/>
-            <a:ext cx="223779" cy="153888"/>
-          </a:xfrm>
-          <a:prstGeom prst="rect">
-            <a:avLst/>
-          </a:prstGeom>
-          <a:ln/>
-        </p:spPr>
-        <p:style>
-          <a:lnRef idx="1">
-            <a:schemeClr val="accent3"/>
-          </a:lnRef>
-          <a:fillRef idx="2">
-            <a:schemeClr val="accent3"/>
-          </a:fillRef>
-          <a:effectRef idx="1">
-            <a:schemeClr val="accent3"/>
-          </a:effectRef>
-          <a:fontRef idx="minor">
-            <a:schemeClr val="dk1"/>
-          </a:fontRef>
-        </p:style>
-        <p:txBody>
-          <a:bodyPr wrap="none" lIns="45720" tIns="0" rIns="45720" bIns="0" rtlCol="0">
-            <a:spAutoFit/>
-          </a:bodyPr>
-          <a:lstStyle/>
-          <a:p>
-            <a:r>
-              <a:rPr lang="en-US" sz="1000" smtClean="0"/>
-              <a:t>17</a:t>
-            </a:r>
-            <a:endParaRPr lang="en-US" sz="1000"/>
-          </a:p>
-        </p:txBody>
-      </p:sp>
-      <p:sp>
-        <p:nvSpPr>
-          <p:cNvPr id="444" name="TextBox 443"/>
-          <p:cNvSpPr txBox="1"/>
-          <p:nvPr/>
-        </p:nvSpPr>
-        <p:spPr>
-          <a:xfrm>
-            <a:off x="6871740" y="5876672"/>
-            <a:ext cx="223779" cy="153888"/>
-          </a:xfrm>
-          <a:prstGeom prst="rect">
-            <a:avLst/>
-          </a:prstGeom>
-          <a:ln/>
-        </p:spPr>
-        <p:style>
-          <a:lnRef idx="1">
-            <a:schemeClr val="accent3"/>
-          </a:lnRef>
-          <a:fillRef idx="2">
-            <a:schemeClr val="accent3"/>
-          </a:fillRef>
-          <a:effectRef idx="1">
-            <a:schemeClr val="accent3"/>
-          </a:effectRef>
-          <a:fontRef idx="minor">
-            <a:schemeClr val="dk1"/>
-          </a:fontRef>
-        </p:style>
-        <p:txBody>
-          <a:bodyPr wrap="none" lIns="45720" tIns="0" rIns="45720" bIns="0" rtlCol="0">
-            <a:spAutoFit/>
-          </a:bodyPr>
-          <a:lstStyle/>
-          <a:p>
-            <a:r>
-              <a:rPr lang="en-US" sz="1000" smtClean="0"/>
-              <a:t>12</a:t>
-            </a:r>
-            <a:endParaRPr lang="en-US" sz="1000"/>
-          </a:p>
-        </p:txBody>
-      </p:sp>
-      <p:sp>
-        <p:nvSpPr>
-          <p:cNvPr id="445" name="TextBox 444"/>
-          <p:cNvSpPr txBox="1"/>
-          <p:nvPr/>
-        </p:nvSpPr>
-        <p:spPr>
-          <a:xfrm>
-            <a:off x="8040009" y="5737175"/>
-            <a:ext cx="223779" cy="153888"/>
-          </a:xfrm>
-          <a:prstGeom prst="rect">
-            <a:avLst/>
-          </a:prstGeom>
-          <a:ln/>
-        </p:spPr>
-        <p:style>
-          <a:lnRef idx="1">
-            <a:schemeClr val="accent3"/>
-          </a:lnRef>
-          <a:fillRef idx="2">
-            <a:schemeClr val="accent3"/>
-          </a:fillRef>
-          <a:effectRef idx="1">
-            <a:schemeClr val="accent3"/>
-          </a:effectRef>
-          <a:fontRef idx="minor">
-            <a:schemeClr val="dk1"/>
-          </a:fontRef>
-        </p:style>
-        <p:txBody>
-          <a:bodyPr wrap="none" lIns="45720" tIns="0" rIns="45720" bIns="0" rtlCol="0">
-            <a:spAutoFit/>
-          </a:bodyPr>
-          <a:lstStyle/>
-          <a:p>
-            <a:r>
-              <a:rPr lang="en-US" sz="1000" dirty="0" smtClean="0"/>
-              <a:t>19</a:t>
-            </a:r>
-            <a:endParaRPr lang="en-US" sz="1000" dirty="0"/>
-          </a:p>
-        </p:txBody>
-      </p:sp>
-      <p:sp>
-        <p:nvSpPr>
-          <p:cNvPr id="449" name="TextBox 448"/>
-          <p:cNvSpPr txBox="1"/>
-          <p:nvPr/>
-        </p:nvSpPr>
-        <p:spPr>
-          <a:xfrm>
-            <a:off x="8165942" y="4333623"/>
-            <a:ext cx="223779" cy="153888"/>
-          </a:xfrm>
-          <a:prstGeom prst="rect">
-            <a:avLst/>
-          </a:prstGeom>
-          <a:ln/>
-        </p:spPr>
-        <p:style>
-          <a:lnRef idx="1">
-            <a:schemeClr val="accent3"/>
-          </a:lnRef>
-          <a:fillRef idx="2">
-            <a:schemeClr val="accent3"/>
-          </a:fillRef>
-          <a:effectRef idx="1">
-            <a:schemeClr val="accent3"/>
-          </a:effectRef>
-          <a:fontRef idx="minor">
-            <a:schemeClr val="dk1"/>
-          </a:fontRef>
-        </p:style>
-        <p:txBody>
-          <a:bodyPr wrap="none" lIns="45720" tIns="0" rIns="45720" bIns="0" rtlCol="0">
-            <a:spAutoFit/>
-          </a:bodyPr>
-          <a:lstStyle/>
-          <a:p>
-            <a:r>
-              <a:rPr lang="en-US" sz="1000" dirty="0" smtClean="0"/>
-              <a:t>28</a:t>
-            </a:r>
-            <a:endParaRPr lang="en-US" sz="1000" dirty="0"/>
-          </a:p>
-        </p:txBody>
-      </p:sp>
-      <p:sp>
-        <p:nvSpPr>
-          <p:cNvPr id="450" name="TextBox 449"/>
-          <p:cNvSpPr txBox="1"/>
-          <p:nvPr/>
-        </p:nvSpPr>
-        <p:spPr>
-          <a:xfrm>
-            <a:off x="7693552" y="3962295"/>
-            <a:ext cx="223779" cy="153888"/>
-          </a:xfrm>
-          <a:prstGeom prst="rect">
-            <a:avLst/>
-          </a:prstGeom>
-          <a:ln/>
-        </p:spPr>
-        <p:style>
-          <a:lnRef idx="1">
-            <a:schemeClr val="accent3"/>
-          </a:lnRef>
-          <a:fillRef idx="2">
-            <a:schemeClr val="accent3"/>
-          </a:fillRef>
-          <a:effectRef idx="1">
-            <a:schemeClr val="accent3"/>
-          </a:effectRef>
-          <a:fontRef idx="minor">
-            <a:schemeClr val="dk1"/>
-          </a:fontRef>
-        </p:style>
-        <p:txBody>
-          <a:bodyPr wrap="none" lIns="45720" tIns="0" rIns="45720" bIns="0" rtlCol="0">
-            <a:spAutoFit/>
-          </a:bodyPr>
-          <a:lstStyle/>
-          <a:p>
-            <a:r>
-              <a:rPr lang="en-US" sz="1000" smtClean="0"/>
-              <a:t>39</a:t>
-            </a:r>
-            <a:endParaRPr lang="en-US" sz="1000"/>
-          </a:p>
-        </p:txBody>
-      </p:sp>
-      <p:sp>
-        <p:nvSpPr>
-          <p:cNvPr id="451" name="TextBox 450"/>
-          <p:cNvSpPr txBox="1"/>
-          <p:nvPr/>
-        </p:nvSpPr>
-        <p:spPr>
-          <a:xfrm>
-            <a:off x="7501735" y="3343265"/>
-            <a:ext cx="223779" cy="153888"/>
-          </a:xfrm>
-          <a:prstGeom prst="rect">
-            <a:avLst/>
-          </a:prstGeom>
-          <a:ln/>
-        </p:spPr>
-        <p:style>
-          <a:lnRef idx="1">
-            <a:schemeClr val="accent3"/>
-          </a:lnRef>
-          <a:fillRef idx="2">
-            <a:schemeClr val="accent3"/>
-          </a:fillRef>
-          <a:effectRef idx="1">
-            <a:schemeClr val="accent3"/>
-          </a:effectRef>
-          <a:fontRef idx="minor">
-            <a:schemeClr val="dk1"/>
-          </a:fontRef>
-        </p:style>
-        <p:txBody>
-          <a:bodyPr wrap="none" lIns="45720" tIns="0" rIns="45720" bIns="0" rtlCol="0">
-            <a:spAutoFit/>
-          </a:bodyPr>
-          <a:lstStyle/>
-          <a:p>
-            <a:r>
-              <a:rPr lang="en-US" sz="1000" smtClean="0"/>
-              <a:t>38</a:t>
-            </a:r>
-            <a:endParaRPr lang="en-US" sz="1000"/>
-          </a:p>
-        </p:txBody>
-      </p:sp>
-      <p:sp>
-        <p:nvSpPr>
-          <p:cNvPr id="452" name="TextBox 451"/>
-          <p:cNvSpPr txBox="1"/>
-          <p:nvPr/>
-        </p:nvSpPr>
-        <p:spPr>
-          <a:xfrm>
-            <a:off x="7224564" y="3003234"/>
-            <a:ext cx="223779" cy="153888"/>
-          </a:xfrm>
-          <a:prstGeom prst="rect">
-            <a:avLst/>
-          </a:prstGeom>
-          <a:ln/>
-        </p:spPr>
-        <p:style>
-          <a:lnRef idx="1">
-            <a:schemeClr val="accent3"/>
-          </a:lnRef>
-          <a:fillRef idx="2">
-            <a:schemeClr val="accent3"/>
-          </a:fillRef>
-          <a:effectRef idx="1">
-            <a:schemeClr val="accent3"/>
-          </a:effectRef>
-          <a:fontRef idx="minor">
-            <a:schemeClr val="dk1"/>
-          </a:fontRef>
-        </p:style>
-        <p:txBody>
-          <a:bodyPr wrap="none" lIns="45720" tIns="0" rIns="45720" bIns="0" rtlCol="0">
-            <a:spAutoFit/>
-          </a:bodyPr>
-          <a:lstStyle/>
-          <a:p>
-            <a:r>
-              <a:rPr lang="en-US" sz="1000" smtClean="0"/>
-              <a:t>37</a:t>
-            </a:r>
-            <a:endParaRPr lang="en-US" sz="1000"/>
-          </a:p>
-        </p:txBody>
-      </p:sp>
-      <p:sp>
-        <p:nvSpPr>
-          <p:cNvPr id="453" name="TextBox 452"/>
-          <p:cNvSpPr txBox="1"/>
-          <p:nvPr/>
-        </p:nvSpPr>
-        <p:spPr>
-          <a:xfrm>
-            <a:off x="6980393" y="2548426"/>
-            <a:ext cx="223779" cy="153888"/>
-          </a:xfrm>
-          <a:prstGeom prst="rect">
-            <a:avLst/>
-          </a:prstGeom>
-          <a:ln/>
-        </p:spPr>
-        <p:style>
-          <a:lnRef idx="1">
-            <a:schemeClr val="accent3"/>
-          </a:lnRef>
-          <a:fillRef idx="2">
-            <a:schemeClr val="accent3"/>
-          </a:fillRef>
-          <a:effectRef idx="1">
-            <a:schemeClr val="accent3"/>
-          </a:effectRef>
-          <a:fontRef idx="minor">
-            <a:schemeClr val="dk1"/>
-          </a:fontRef>
-        </p:style>
-        <p:txBody>
-          <a:bodyPr wrap="none" lIns="45720" tIns="0" rIns="45720" bIns="0" rtlCol="0">
-            <a:spAutoFit/>
-          </a:bodyPr>
-          <a:lstStyle/>
-          <a:p>
-            <a:r>
-              <a:rPr lang="en-US" sz="1000" dirty="0" smtClean="0"/>
-              <a:t>36</a:t>
+              <a:t>71</a:t>
             </a:r>
             <a:endParaRPr lang="en-US" sz="1000" dirty="0"/>
           </a:p>
@@ -19926,17 +19525,17 @@
           </a:prstGeom>
         </p:spPr>
         <p:style>
-          <a:lnRef idx="0">
-            <a:schemeClr val="accent3"/>
-          </a:lnRef>
-          <a:fillRef idx="3">
-            <a:schemeClr val="accent3"/>
-          </a:fillRef>
-          <a:effectRef idx="3">
-            <a:schemeClr val="accent3"/>
-          </a:effectRef>
-          <a:fontRef idx="minor">
-            <a:schemeClr val="lt1"/>
+          <a:lnRef idx="1">
+            <a:schemeClr val="accent5"/>
+          </a:lnRef>
+          <a:fillRef idx="2">
+            <a:schemeClr val="accent5"/>
+          </a:fillRef>
+          <a:effectRef idx="1">
+            <a:schemeClr val="accent5"/>
+          </a:effectRef>
+          <a:fontRef idx="minor">
+            <a:schemeClr val="dk1"/>
           </a:fontRef>
         </p:style>
         <p:txBody>
@@ -21491,13 +21090,13 @@
         </p:spPr>
         <p:style>
           <a:lnRef idx="1">
-            <a:schemeClr val="accent3"/>
-          </a:lnRef>
-          <a:fillRef idx="2">
-            <a:schemeClr val="accent3"/>
-          </a:fillRef>
-          <a:effectRef idx="1">
-            <a:schemeClr val="accent3"/>
+            <a:schemeClr val="accent5"/>
+          </a:lnRef>
+          <a:fillRef idx="2">
+            <a:schemeClr val="accent5"/>
+          </a:fillRef>
+          <a:effectRef idx="1">
+            <a:schemeClr val="accent5"/>
           </a:effectRef>
           <a:fontRef idx="minor">
             <a:schemeClr val="dk1"/>
@@ -21511,7 +21110,7 @@
           <a:p>
             <a:r>
               <a:rPr lang="en-US" sz="1000" smtClean="0"/>
-              <a:t>7</a:t>
+              <a:t>6</a:t>
             </a:r>
             <a:endParaRPr lang="en-US" sz="1000"/>
           </a:p>
@@ -21535,13 +21134,13 @@
         </p:spPr>
         <p:style>
           <a:lnRef idx="1">
-            <a:schemeClr val="accent3"/>
-          </a:lnRef>
-          <a:fillRef idx="2">
-            <a:schemeClr val="accent3"/>
-          </a:fillRef>
-          <a:effectRef idx="1">
-            <a:schemeClr val="accent3"/>
+            <a:schemeClr val="accent5"/>
+          </a:lnRef>
+          <a:fillRef idx="2">
+            <a:schemeClr val="accent5"/>
+          </a:fillRef>
+          <a:effectRef idx="1">
+            <a:schemeClr val="accent5"/>
           </a:effectRef>
           <a:fontRef idx="minor">
             <a:schemeClr val="dk1"/>
@@ -21674,7 +21273,7 @@
         <p:spPr>
           <a:xfrm>
             <a:off x="6566355" y="3271678"/>
-            <a:ext cx="223779" cy="153888"/>
+            <a:ext cx="339195" cy="153888"/>
           </a:xfrm>
           <a:prstGeom prst="rect">
             <a:avLst/>
@@ -21683,13 +21282,13 @@
         </p:spPr>
         <p:style>
           <a:lnRef idx="1">
-            <a:schemeClr val="accent3"/>
-          </a:lnRef>
-          <a:fillRef idx="2">
-            <a:schemeClr val="accent3"/>
-          </a:fillRef>
-          <a:effectRef idx="1">
-            <a:schemeClr val="accent3"/>
+            <a:schemeClr val="accent5"/>
+          </a:lnRef>
+          <a:fillRef idx="2">
+            <a:schemeClr val="accent5"/>
+          </a:fillRef>
+          <a:effectRef idx="1">
+            <a:schemeClr val="accent5"/>
           </a:effectRef>
           <a:fontRef idx="minor">
             <a:schemeClr val="dk1"/>
@@ -21703,7 +21302,7 @@
           <a:p>
             <a:r>
               <a:rPr lang="en-US" sz="1000" smtClean="0"/>
-              <a:t>33</a:t>
+              <a:t>9/10</a:t>
             </a:r>
             <a:endParaRPr lang="en-US" sz="1000"/>
           </a:p>
@@ -21718,7 +21317,7 @@
         <p:spPr>
           <a:xfrm>
             <a:off x="6493974" y="4148341"/>
-            <a:ext cx="158057" cy="153888"/>
+            <a:ext cx="404919" cy="153888"/>
           </a:xfrm>
           <a:prstGeom prst="rect">
             <a:avLst/>
@@ -21727,13 +21326,13 @@
         </p:spPr>
         <p:style>
           <a:lnRef idx="1">
-            <a:schemeClr val="accent3"/>
-          </a:lnRef>
-          <a:fillRef idx="2">
-            <a:schemeClr val="accent3"/>
-          </a:fillRef>
-          <a:effectRef idx="1">
-            <a:schemeClr val="accent3"/>
+            <a:schemeClr val="accent5"/>
+          </a:lnRef>
+          <a:fillRef idx="2">
+            <a:schemeClr val="accent5"/>
+          </a:fillRef>
+          <a:effectRef idx="1">
+            <a:schemeClr val="accent5"/>
           </a:effectRef>
           <a:fontRef idx="minor">
             <a:schemeClr val="dk1"/>
@@ -21747,7 +21346,11 @@
           <a:p>
             <a:r>
               <a:rPr lang="en-US" sz="1000" smtClean="0"/>
-              <a:t>9</a:t>
+              <a:t>41</a:t>
+            </a:r>
+            <a:r>
+              <a:rPr lang="en-US" sz="1000" smtClean="0"/>
+              <a:t>/42</a:t>
             </a:r>
             <a:endParaRPr lang="en-US" sz="1000"/>
           </a:p>
@@ -21762,7 +21365,7 @@
         <p:spPr>
           <a:xfrm>
             <a:off x="6564290" y="4832314"/>
-            <a:ext cx="223779" cy="153888"/>
+            <a:ext cx="404919" cy="153888"/>
           </a:xfrm>
           <a:prstGeom prst="rect">
             <a:avLst/>
@@ -21771,13 +21374,13 @@
         </p:spPr>
         <p:style>
           <a:lnRef idx="1">
-            <a:schemeClr val="accent3"/>
-          </a:lnRef>
-          <a:fillRef idx="2">
-            <a:schemeClr val="accent3"/>
-          </a:fillRef>
-          <a:effectRef idx="1">
-            <a:schemeClr val="accent3"/>
+            <a:schemeClr val="accent5"/>
+          </a:lnRef>
+          <a:fillRef idx="2">
+            <a:schemeClr val="accent5"/>
+          </a:fillRef>
+          <a:effectRef idx="1">
+            <a:schemeClr val="accent5"/>
           </a:effectRef>
           <a:fontRef idx="minor">
             <a:schemeClr val="dk1"/>
@@ -21791,7 +21394,11 @@
           <a:p>
             <a:r>
               <a:rPr lang="en-US" sz="1000" smtClean="0"/>
-              <a:t>11</a:t>
+              <a:t>65</a:t>
+            </a:r>
+            <a:r>
+              <a:rPr lang="en-US" sz="1000" smtClean="0"/>
+              <a:t>/66</a:t>
             </a:r>
             <a:endParaRPr lang="en-US" sz="1000"/>
           </a:p>
@@ -21805,8 +21412,8 @@
         </p:nvSpPr>
         <p:spPr>
           <a:xfrm>
-            <a:off x="8046402" y="4736153"/>
-            <a:ext cx="223779" cy="153888"/>
+            <a:off x="7986020" y="4736153"/>
+            <a:ext cx="404919" cy="153888"/>
           </a:xfrm>
           <a:prstGeom prst="rect">
             <a:avLst/>
@@ -21815,13 +21422,13 @@
         </p:spPr>
         <p:style>
           <a:lnRef idx="1">
-            <a:schemeClr val="accent3"/>
-          </a:lnRef>
-          <a:fillRef idx="2">
-            <a:schemeClr val="accent3"/>
-          </a:fillRef>
-          <a:effectRef idx="1">
-            <a:schemeClr val="accent3"/>
+            <a:schemeClr val="accent5"/>
+          </a:lnRef>
+          <a:fillRef idx="2">
+            <a:schemeClr val="accent5"/>
+          </a:fillRef>
+          <a:effectRef idx="1">
+            <a:schemeClr val="accent5"/>
           </a:effectRef>
           <a:fontRef idx="minor">
             <a:schemeClr val="dk1"/>
@@ -21834,8 +21441,12 @@
           <a:lstStyle/>
           <a:p>
             <a:r>
-              <a:rPr lang="en-US" sz="1000" dirty="0" smtClean="0"/>
-              <a:t>31</a:t>
+              <a:rPr lang="en-US" sz="1000" smtClean="0"/>
+              <a:t>63</a:t>
+            </a:r>
+            <a:r>
+              <a:rPr lang="en-US" sz="1000" smtClean="0"/>
+              <a:t>/62</a:t>
             </a:r>
             <a:endParaRPr lang="en-US" sz="1000" dirty="0"/>
           </a:p>
@@ -21843,14 +21454,14 @@
       </p:sp>
       <p:sp>
         <p:nvSpPr>
-          <p:cNvPr id="448" name="TextBox 447"/>
+          <p:cNvPr id="503" name="TextBox 502"/>
           <p:cNvSpPr txBox="1"/>
           <p:nvPr/>
         </p:nvSpPr>
         <p:spPr>
           <a:xfrm>
-            <a:off x="8337477" y="4735971"/>
-            <a:ext cx="223779" cy="153888"/>
+            <a:off x="8150232" y="2294491"/>
+            <a:ext cx="586058" cy="153888"/>
           </a:xfrm>
           <a:prstGeom prst="rect">
             <a:avLst/>
@@ -21859,13 +21470,13 @@
         </p:spPr>
         <p:style>
           <a:lnRef idx="1">
-            <a:schemeClr val="accent3"/>
-          </a:lnRef>
-          <a:fillRef idx="2">
-            <a:schemeClr val="accent3"/>
-          </a:fillRef>
-          <a:effectRef idx="1">
-            <a:schemeClr val="accent3"/>
+            <a:schemeClr val="accent5"/>
+          </a:lnRef>
+          <a:fillRef idx="2">
+            <a:schemeClr val="accent5"/>
+          </a:fillRef>
+          <a:effectRef idx="1">
+            <a:schemeClr val="accent5"/>
           </a:effectRef>
           <a:fontRef idx="minor">
             <a:schemeClr val="dk1"/>
@@ -21878,23 +21489,27 @@
           <a:lstStyle/>
           <a:p>
             <a:r>
-              <a:rPr lang="en-US" sz="1000" dirty="0" smtClean="0"/>
-              <a:t>29</a:t>
-            </a:r>
-            <a:endParaRPr lang="en-US" sz="1000" dirty="0"/>
-          </a:p>
-        </p:txBody>
-      </p:sp>
-      <p:sp>
-        <p:nvSpPr>
-          <p:cNvPr id="503" name="TextBox 502"/>
+              <a:rPr lang="en-US" sz="1000" smtClean="0"/>
+              <a:t>37</a:t>
+            </a:r>
+            <a:r>
+              <a:rPr lang="en-US" sz="1000" smtClean="0"/>
+              <a:t>/36/35</a:t>
+            </a:r>
+            <a:endParaRPr lang="en-US" sz="1000"/>
+          </a:p>
+        </p:txBody>
+      </p:sp>
+      <p:sp>
+        <p:nvSpPr>
+          <p:cNvPr id="504" name="TextBox 503"/>
           <p:cNvSpPr txBox="1"/>
           <p:nvPr/>
         </p:nvSpPr>
         <p:spPr>
           <a:xfrm>
-            <a:off x="8150232" y="2294491"/>
-            <a:ext cx="547586" cy="153888"/>
+            <a:off x="400836" y="2748816"/>
+            <a:ext cx="586058" cy="153888"/>
           </a:xfrm>
           <a:prstGeom prst="rect">
             <a:avLst/>
@@ -21903,13 +21518,13 @@
         </p:spPr>
         <p:style>
           <a:lnRef idx="1">
-            <a:schemeClr val="accent3"/>
-          </a:lnRef>
-          <a:fillRef idx="2">
-            <a:schemeClr val="accent3"/>
-          </a:fillRef>
-          <a:effectRef idx="1">
-            <a:schemeClr val="accent3"/>
+            <a:schemeClr val="accent5"/>
+          </a:lnRef>
+          <a:fillRef idx="2">
+            <a:schemeClr val="accent5"/>
+          </a:fillRef>
+          <a:effectRef idx="1">
+            <a:schemeClr val="accent5"/>
           </a:effectRef>
           <a:fontRef idx="minor">
             <a:schemeClr val="dk1"/>
@@ -21923,7 +21538,11 @@
           <a:p>
             <a:r>
               <a:rPr lang="en-US" sz="1000" smtClean="0"/>
-              <a:t>43/xx/xx</a:t>
+              <a:t>24</a:t>
+            </a:r>
+            <a:r>
+              <a:rPr lang="en-US" sz="1000" smtClean="0"/>
+              <a:t>/25/26</a:t>
             </a:r>
             <a:endParaRPr lang="en-US" sz="1000"/>
           </a:p>
@@ -21931,14 +21550,14 @@
       </p:sp>
       <p:sp>
         <p:nvSpPr>
-          <p:cNvPr id="504" name="TextBox 503"/>
+          <p:cNvPr id="417" name="TextBox 416"/>
           <p:cNvSpPr txBox="1"/>
           <p:nvPr/>
         </p:nvSpPr>
         <p:spPr>
           <a:xfrm>
-            <a:off x="400836" y="2748816"/>
-            <a:ext cx="547586" cy="153888"/>
+            <a:off x="2790786" y="2286735"/>
+            <a:ext cx="404919" cy="153888"/>
           </a:xfrm>
           <a:prstGeom prst="rect">
             <a:avLst/>
@@ -21947,13 +21566,13 @@
         </p:spPr>
         <p:style>
           <a:lnRef idx="1">
-            <a:schemeClr val="accent3"/>
-          </a:lnRef>
-          <a:fillRef idx="2">
-            <a:schemeClr val="accent3"/>
-          </a:fillRef>
-          <a:effectRef idx="1">
-            <a:schemeClr val="accent3"/>
+            <a:schemeClr val="accent5"/>
+          </a:lnRef>
+          <a:fillRef idx="2">
+            <a:schemeClr val="accent5"/>
+          </a:fillRef>
+          <a:effectRef idx="1">
+            <a:schemeClr val="accent5"/>
           </a:effectRef>
           <a:fontRef idx="minor">
             <a:schemeClr val="dk1"/>
@@ -21967,7 +21586,11 @@
           <a:p>
             <a:r>
               <a:rPr lang="en-US" sz="1000" smtClean="0"/>
-              <a:t>43/xx/xx</a:t>
+              <a:t>46</a:t>
+            </a:r>
+            <a:r>
+              <a:rPr lang="en-US" sz="1000" smtClean="0"/>
+              <a:t>/45</a:t>
             </a:r>
             <a:endParaRPr lang="en-US" sz="1000"/>
           </a:p>
@@ -21975,14 +21598,14 @@
       </p:sp>
       <p:sp>
         <p:nvSpPr>
-          <p:cNvPr id="417" name="TextBox 416"/>
+          <p:cNvPr id="388" name="TextBox 387"/>
           <p:cNvSpPr txBox="1"/>
           <p:nvPr/>
         </p:nvSpPr>
         <p:spPr>
           <a:xfrm>
-            <a:off x="2877046" y="2364369"/>
-            <a:ext cx="385683" cy="153888"/>
+            <a:off x="2346734" y="2914711"/>
+            <a:ext cx="404919" cy="153888"/>
           </a:xfrm>
           <a:prstGeom prst="rect">
             <a:avLst/>
@@ -21991,13 +21614,13 @@
         </p:spPr>
         <p:style>
           <a:lnRef idx="1">
-            <a:schemeClr val="accent3"/>
-          </a:lnRef>
-          <a:fillRef idx="2">
-            <a:schemeClr val="accent3"/>
-          </a:fillRef>
-          <a:effectRef idx="1">
-            <a:schemeClr val="accent3"/>
+            <a:schemeClr val="accent5"/>
+          </a:lnRef>
+          <a:fillRef idx="2">
+            <a:schemeClr val="accent5"/>
+          </a:fillRef>
+          <a:effectRef idx="1">
+            <a:schemeClr val="accent5"/>
           </a:effectRef>
           <a:fontRef idx="minor">
             <a:schemeClr val="dk1"/>
@@ -22011,7 +21634,11 @@
           <a:p>
             <a:r>
               <a:rPr lang="en-US" sz="1000" smtClean="0"/>
-              <a:t>73/xx</a:t>
+              <a:t>19</a:t>
+            </a:r>
+            <a:r>
+              <a:rPr lang="en-US" sz="1000" smtClean="0"/>
+              <a:t>/18</a:t>
             </a:r>
             <a:endParaRPr lang="en-US" sz="1000"/>
           </a:p>
@@ -22019,14 +21646,14 @@
       </p:sp>
       <p:sp>
         <p:nvSpPr>
-          <p:cNvPr id="388" name="TextBox 387"/>
+          <p:cNvPr id="419" name="TextBox 418"/>
           <p:cNvSpPr txBox="1"/>
           <p:nvPr/>
         </p:nvSpPr>
         <p:spPr>
           <a:xfrm>
-            <a:off x="2398490" y="2897459"/>
-            <a:ext cx="385683" cy="153888"/>
+            <a:off x="2088126" y="942357"/>
+            <a:ext cx="223779" cy="153888"/>
           </a:xfrm>
           <a:prstGeom prst="rect">
             <a:avLst/>
@@ -22035,13 +21662,13 @@
         </p:spPr>
         <p:style>
           <a:lnRef idx="1">
-            <a:schemeClr val="accent3"/>
-          </a:lnRef>
-          <a:fillRef idx="2">
-            <a:schemeClr val="accent3"/>
-          </a:fillRef>
-          <a:effectRef idx="1">
-            <a:schemeClr val="accent3"/>
+            <a:schemeClr val="accent5"/>
+          </a:lnRef>
+          <a:fillRef idx="2">
+            <a:schemeClr val="accent5"/>
+          </a:fillRef>
+          <a:effectRef idx="1">
+            <a:schemeClr val="accent5"/>
           </a:effectRef>
           <a:fontRef idx="minor">
             <a:schemeClr val="dk1"/>
@@ -22055,7 +21682,7 @@
           <a:p>
             <a:r>
               <a:rPr lang="en-US" sz="1000" smtClean="0"/>
-              <a:t>89/xx</a:t>
+              <a:t>93</a:t>
             </a:r>
             <a:endParaRPr lang="en-US" sz="1000"/>
           </a:p>

--- a/Documentation/Layouts/LabLayoutNumbers.pptx
+++ b/Documentation/Layouts/LabLayoutNumbers.pptx
@@ -291,7 +291,7 @@
             <a:fld id="{F5BF3120-0EED-4B2E-B277-FBCB29970201}" type="datetimeFigureOut">
               <a:rPr lang="en-US" smtClean="0"/>
               <a:pPr/>
-              <a:t>8/21/2012</a:t>
+              <a:t>8/24/2012</a:t>
             </a:fld>
             <a:endParaRPr lang="en-US"/>
           </a:p>
@@ -458,7 +458,7 @@
             <a:fld id="{F5BF3120-0EED-4B2E-B277-FBCB29970201}" type="datetimeFigureOut">
               <a:rPr lang="en-US" smtClean="0"/>
               <a:pPr/>
-              <a:t>8/21/2012</a:t>
+              <a:t>8/24/2012</a:t>
             </a:fld>
             <a:endParaRPr lang="en-US"/>
           </a:p>
@@ -635,7 +635,7 @@
             <a:fld id="{F5BF3120-0EED-4B2E-B277-FBCB29970201}" type="datetimeFigureOut">
               <a:rPr lang="en-US" smtClean="0"/>
               <a:pPr/>
-              <a:t>8/21/2012</a:t>
+              <a:t>8/24/2012</a:t>
             </a:fld>
             <a:endParaRPr lang="en-US"/>
           </a:p>
@@ -802,7 +802,7 @@
             <a:fld id="{F5BF3120-0EED-4B2E-B277-FBCB29970201}" type="datetimeFigureOut">
               <a:rPr lang="en-US" smtClean="0"/>
               <a:pPr/>
-              <a:t>8/21/2012</a:t>
+              <a:t>8/24/2012</a:t>
             </a:fld>
             <a:endParaRPr lang="en-US"/>
           </a:p>
@@ -1045,7 +1045,7 @@
             <a:fld id="{F5BF3120-0EED-4B2E-B277-FBCB29970201}" type="datetimeFigureOut">
               <a:rPr lang="en-US" smtClean="0"/>
               <a:pPr/>
-              <a:t>8/21/2012</a:t>
+              <a:t>8/24/2012</a:t>
             </a:fld>
             <a:endParaRPr lang="en-US"/>
           </a:p>
@@ -1330,7 +1330,7 @@
             <a:fld id="{F5BF3120-0EED-4B2E-B277-FBCB29970201}" type="datetimeFigureOut">
               <a:rPr lang="en-US" smtClean="0"/>
               <a:pPr/>
-              <a:t>8/21/2012</a:t>
+              <a:t>8/24/2012</a:t>
             </a:fld>
             <a:endParaRPr lang="en-US"/>
           </a:p>
@@ -1749,7 +1749,7 @@
             <a:fld id="{F5BF3120-0EED-4B2E-B277-FBCB29970201}" type="datetimeFigureOut">
               <a:rPr lang="en-US" smtClean="0"/>
               <a:pPr/>
-              <a:t>8/21/2012</a:t>
+              <a:t>8/24/2012</a:t>
             </a:fld>
             <a:endParaRPr lang="en-US"/>
           </a:p>
@@ -1864,7 +1864,7 @@
             <a:fld id="{F5BF3120-0EED-4B2E-B277-FBCB29970201}" type="datetimeFigureOut">
               <a:rPr lang="en-US" smtClean="0"/>
               <a:pPr/>
-              <a:t>8/21/2012</a:t>
+              <a:t>8/24/2012</a:t>
             </a:fld>
             <a:endParaRPr lang="en-US"/>
           </a:p>
@@ -1956,7 +1956,7 @@
             <a:fld id="{F5BF3120-0EED-4B2E-B277-FBCB29970201}" type="datetimeFigureOut">
               <a:rPr lang="en-US" smtClean="0"/>
               <a:pPr/>
-              <a:t>8/21/2012</a:t>
+              <a:t>8/24/2012</a:t>
             </a:fld>
             <a:endParaRPr lang="en-US"/>
           </a:p>
@@ -2230,7 +2230,7 @@
             <a:fld id="{F5BF3120-0EED-4B2E-B277-FBCB29970201}" type="datetimeFigureOut">
               <a:rPr lang="en-US" smtClean="0"/>
               <a:pPr/>
-              <a:t>8/21/2012</a:t>
+              <a:t>8/24/2012</a:t>
             </a:fld>
             <a:endParaRPr lang="en-US"/>
           </a:p>
@@ -2480,7 +2480,7 @@
             <a:fld id="{F5BF3120-0EED-4B2E-B277-FBCB29970201}" type="datetimeFigureOut">
               <a:rPr lang="en-US" smtClean="0"/>
               <a:pPr/>
-              <a:t>8/21/2012</a:t>
+              <a:t>8/24/2012</a:t>
             </a:fld>
             <a:endParaRPr lang="en-US"/>
           </a:p>
@@ -2690,7 +2690,7 @@
             <a:fld id="{F5BF3120-0EED-4B2E-B277-FBCB29970201}" type="datetimeFigureOut">
               <a:rPr lang="en-US" smtClean="0"/>
               <a:pPr/>
-              <a:t>8/21/2012</a:t>
+              <a:t>8/24/2012</a:t>
             </a:fld>
             <a:endParaRPr lang="en-US"/>
           </a:p>
@@ -16458,11 +16458,7 @@
           <a:p>
             <a:r>
               <a:rPr lang="en-US" sz="1000" smtClean="0"/>
-              <a:t>8</a:t>
-            </a:r>
-            <a:r>
-              <a:rPr lang="en-US" sz="1000" smtClean="0"/>
-              <a:t>4</a:t>
+              <a:t>84</a:t>
             </a:r>
             <a:endParaRPr lang="en-US" sz="1000" dirty="0"/>
           </a:p>
@@ -16506,11 +16502,7 @@
           <a:p>
             <a:r>
               <a:rPr lang="en-US" sz="1000" smtClean="0"/>
-              <a:t>83</a:t>
-            </a:r>
-            <a:r>
-              <a:rPr lang="en-US" sz="1000" smtClean="0"/>
-              <a:t>/82</a:t>
+              <a:t>83/82</a:t>
             </a:r>
             <a:endParaRPr lang="en-US" sz="1000" dirty="0"/>
           </a:p>
@@ -16820,10 +16812,6 @@
               <a:rPr lang="en-US" sz="1000" smtClean="0"/>
               <a:t>29</a:t>
             </a:r>
-            <a:r>
-              <a:rPr lang="en-US" sz="1000" smtClean="0"/>
-              <a:t/>
-            </a:r>
             <a:br>
               <a:rPr lang="en-US" sz="1000" smtClean="0"/>
             </a:br>
@@ -16831,10 +16819,6 @@
               <a:rPr lang="en-US" sz="1000" smtClean="0"/>
               <a:t>30</a:t>
             </a:r>
-            <a:r>
-              <a:rPr lang="en-US" sz="1000" smtClean="0"/>
-              <a:t/>
-            </a:r>
             <a:br>
               <a:rPr lang="en-US" sz="1000" smtClean="0"/>
             </a:br>
@@ -17018,7 +17002,6 @@
               <a:rPr lang="en-US" sz="1000" smtClean="0"/>
               <a:t>52</a:t>
             </a:r>
-            <a:endParaRPr lang="en-US" sz="1000" smtClean="0"/>
           </a:p>
           <a:p>
             <a:r>
@@ -17421,7 +17404,6 @@
               <a:rPr lang="en-US" sz="1000" smtClean="0"/>
               <a:t>97</a:t>
             </a:r>
-            <a:endParaRPr lang="en-US" sz="1000" smtClean="0"/>
           </a:p>
           <a:p>
             <a:r>
@@ -17654,7 +17636,6 @@
               <a:rPr lang="en-US" sz="1000" smtClean="0"/>
               <a:t>13</a:t>
             </a:r>
-            <a:endParaRPr lang="en-US" sz="1000" smtClean="0"/>
           </a:p>
           <a:p>
             <a:r>
@@ -17793,7 +17774,6 @@
               <a:rPr lang="en-US" sz="1000" smtClean="0"/>
               <a:t>76</a:t>
             </a:r>
-            <a:endParaRPr lang="en-US" sz="1000" smtClean="0"/>
           </a:p>
           <a:p>
             <a:r>
@@ -17930,11 +17910,7 @@
           <a:p>
             <a:r>
               <a:rPr lang="en-US" sz="1000" smtClean="0"/>
-              <a:t>61</a:t>
-            </a:r>
-            <a:r>
-              <a:rPr lang="en-US" sz="1000" smtClean="0"/>
-              <a:t>/60</a:t>
+              <a:t>61/60</a:t>
             </a:r>
             <a:endParaRPr lang="en-US" sz="1000"/>
           </a:p>
@@ -18154,11 +18130,7 @@
           <a:p>
             <a:r>
               <a:rPr lang="en-US" sz="1000" smtClean="0"/>
-              <a:t>9</a:t>
-            </a:r>
-            <a:r>
-              <a:rPr lang="en-US" sz="1000" smtClean="0"/>
-              <a:t>4</a:t>
+              <a:t>94</a:t>
             </a:r>
             <a:endParaRPr lang="en-US" sz="1000"/>
           </a:p>
@@ -18294,11 +18266,7 @@
           <a:p>
             <a:r>
               <a:rPr lang="en-US" sz="1000" smtClean="0"/>
-              <a:t>7</a:t>
-            </a:r>
-            <a:r>
-              <a:rPr lang="en-US" sz="1000" smtClean="0"/>
-              <a:t>9</a:t>
+              <a:t>79</a:t>
             </a:r>
             <a:endParaRPr lang="en-US" sz="1000"/>
           </a:p>
@@ -18694,11 +18662,7 @@
           <a:p>
             <a:r>
               <a:rPr lang="en-US" sz="1000" smtClean="0"/>
-              <a:t>87</a:t>
-            </a:r>
-            <a:r>
-              <a:rPr lang="en-US" sz="1000" smtClean="0"/>
-              <a:t>/88</a:t>
+              <a:t>87/88</a:t>
             </a:r>
             <a:endParaRPr lang="en-US" sz="1000"/>
           </a:p>
@@ -18970,7 +18934,6 @@
               <a:rPr lang="en-US" sz="1000" smtClean="0"/>
               <a:t>15</a:t>
             </a:r>
-            <a:endParaRPr lang="en-US" sz="1000" smtClean="0"/>
           </a:p>
           <a:p>
             <a:r>
@@ -19151,7 +19114,7 @@
           <a:p>
             <a:r>
               <a:rPr lang="en-US" sz="1000" smtClean="0"/>
-              <a:t>55</a:t>
+              <a:t>99</a:t>
             </a:r>
             <a:endParaRPr lang="en-US" sz="1000"/>
           </a:p>
@@ -21346,11 +21309,7 @@
           <a:p>
             <a:r>
               <a:rPr lang="en-US" sz="1000" smtClean="0"/>
-              <a:t>41</a:t>
-            </a:r>
-            <a:r>
-              <a:rPr lang="en-US" sz="1000" smtClean="0"/>
-              <a:t>/42</a:t>
+              <a:t>41/42</a:t>
             </a:r>
             <a:endParaRPr lang="en-US" sz="1000"/>
           </a:p>
@@ -21394,11 +21353,7 @@
           <a:p>
             <a:r>
               <a:rPr lang="en-US" sz="1000" smtClean="0"/>
-              <a:t>65</a:t>
-            </a:r>
-            <a:r>
-              <a:rPr lang="en-US" sz="1000" smtClean="0"/>
-              <a:t>/66</a:t>
+              <a:t>65/66</a:t>
             </a:r>
             <a:endParaRPr lang="en-US" sz="1000"/>
           </a:p>
@@ -21442,11 +21397,7 @@
           <a:p>
             <a:r>
               <a:rPr lang="en-US" sz="1000" smtClean="0"/>
-              <a:t>63</a:t>
-            </a:r>
-            <a:r>
-              <a:rPr lang="en-US" sz="1000" smtClean="0"/>
-              <a:t>/62</a:t>
+              <a:t>63/62</a:t>
             </a:r>
             <a:endParaRPr lang="en-US" sz="1000" dirty="0"/>
           </a:p>
@@ -21490,11 +21441,7 @@
           <a:p>
             <a:r>
               <a:rPr lang="en-US" sz="1000" smtClean="0"/>
-              <a:t>37</a:t>
-            </a:r>
-            <a:r>
-              <a:rPr lang="en-US" sz="1000" smtClean="0"/>
-              <a:t>/36/35</a:t>
+              <a:t>37/36/35</a:t>
             </a:r>
             <a:endParaRPr lang="en-US" sz="1000"/>
           </a:p>
@@ -21538,11 +21485,7 @@
           <a:p>
             <a:r>
               <a:rPr lang="en-US" sz="1000" smtClean="0"/>
-              <a:t>24</a:t>
-            </a:r>
-            <a:r>
-              <a:rPr lang="en-US" sz="1000" smtClean="0"/>
-              <a:t>/25/26</a:t>
+              <a:t>24/25/26</a:t>
             </a:r>
             <a:endParaRPr lang="en-US" sz="1000"/>
           </a:p>
@@ -21586,11 +21529,7 @@
           <a:p>
             <a:r>
               <a:rPr lang="en-US" sz="1000" smtClean="0"/>
-              <a:t>46</a:t>
-            </a:r>
-            <a:r>
-              <a:rPr lang="en-US" sz="1000" smtClean="0"/>
-              <a:t>/45</a:t>
+              <a:t>46/45</a:t>
             </a:r>
             <a:endParaRPr lang="en-US" sz="1000"/>
           </a:p>
@@ -21634,11 +21573,7 @@
           <a:p>
             <a:r>
               <a:rPr lang="en-US" sz="1000" smtClean="0"/>
-              <a:t>19</a:t>
-            </a:r>
-            <a:r>
-              <a:rPr lang="en-US" sz="1000" smtClean="0"/>
-              <a:t>/18</a:t>
+              <a:t>19/18</a:t>
             </a:r>
             <a:endParaRPr lang="en-US" sz="1000"/>
           </a:p>
